--- a/imagenes/auxiliar.pptx
+++ b/imagenes/auxiliar.pptx
@@ -7,7 +7,8 @@
   <p:sldIdLst>
     <p:sldId id="256" r:id="rId2"/>
     <p:sldId id="257" r:id="rId3"/>
-    <p:sldId id="258" r:id="rId4"/>
+    <p:sldId id="259" r:id="rId4"/>
+    <p:sldId id="258" r:id="rId5"/>
   </p:sldIdLst>
   <p:sldSz cx="12192000" cy="6858000"/>
   <p:notesSz cx="6858000" cy="9144000"/>
@@ -256,7 +257,7 @@
           <a:p>
             <a:fld id="{29678B5A-351E-4098-8F04-5692B504D35C}" type="datetimeFigureOut">
               <a:rPr lang="en-AU" smtClean="0"/>
-              <a:t>28/11/2018</a:t>
+              <a:t>14/12/2018</a:t>
             </a:fld>
             <a:endParaRPr lang="en-AU"/>
           </a:p>
@@ -426,7 +427,7 @@
           <a:p>
             <a:fld id="{29678B5A-351E-4098-8F04-5692B504D35C}" type="datetimeFigureOut">
               <a:rPr lang="en-AU" smtClean="0"/>
-              <a:t>28/11/2018</a:t>
+              <a:t>14/12/2018</a:t>
             </a:fld>
             <a:endParaRPr lang="en-AU"/>
           </a:p>
@@ -606,7 +607,7 @@
           <a:p>
             <a:fld id="{29678B5A-351E-4098-8F04-5692B504D35C}" type="datetimeFigureOut">
               <a:rPr lang="en-AU" smtClean="0"/>
-              <a:t>28/11/2018</a:t>
+              <a:t>14/12/2018</a:t>
             </a:fld>
             <a:endParaRPr lang="en-AU"/>
           </a:p>
@@ -776,7 +777,7 @@
           <a:p>
             <a:fld id="{29678B5A-351E-4098-8F04-5692B504D35C}" type="datetimeFigureOut">
               <a:rPr lang="en-AU" smtClean="0"/>
-              <a:t>28/11/2018</a:t>
+              <a:t>14/12/2018</a:t>
             </a:fld>
             <a:endParaRPr lang="en-AU"/>
           </a:p>
@@ -1022,7 +1023,7 @@
           <a:p>
             <a:fld id="{29678B5A-351E-4098-8F04-5692B504D35C}" type="datetimeFigureOut">
               <a:rPr lang="en-AU" smtClean="0"/>
-              <a:t>28/11/2018</a:t>
+              <a:t>14/12/2018</a:t>
             </a:fld>
             <a:endParaRPr lang="en-AU"/>
           </a:p>
@@ -1254,7 +1255,7 @@
           <a:p>
             <a:fld id="{29678B5A-351E-4098-8F04-5692B504D35C}" type="datetimeFigureOut">
               <a:rPr lang="en-AU" smtClean="0"/>
-              <a:t>28/11/2018</a:t>
+              <a:t>14/12/2018</a:t>
             </a:fld>
             <a:endParaRPr lang="en-AU"/>
           </a:p>
@@ -1621,7 +1622,7 @@
           <a:p>
             <a:fld id="{29678B5A-351E-4098-8F04-5692B504D35C}" type="datetimeFigureOut">
               <a:rPr lang="en-AU" smtClean="0"/>
-              <a:t>28/11/2018</a:t>
+              <a:t>14/12/2018</a:t>
             </a:fld>
             <a:endParaRPr lang="en-AU"/>
           </a:p>
@@ -1739,7 +1740,7 @@
           <a:p>
             <a:fld id="{29678B5A-351E-4098-8F04-5692B504D35C}" type="datetimeFigureOut">
               <a:rPr lang="en-AU" smtClean="0"/>
-              <a:t>28/11/2018</a:t>
+              <a:t>14/12/2018</a:t>
             </a:fld>
             <a:endParaRPr lang="en-AU"/>
           </a:p>
@@ -1834,7 +1835,7 @@
           <a:p>
             <a:fld id="{29678B5A-351E-4098-8F04-5692B504D35C}" type="datetimeFigureOut">
               <a:rPr lang="en-AU" smtClean="0"/>
-              <a:t>28/11/2018</a:t>
+              <a:t>14/12/2018</a:t>
             </a:fld>
             <a:endParaRPr lang="en-AU"/>
           </a:p>
@@ -2111,7 +2112,7 @@
           <a:p>
             <a:fld id="{29678B5A-351E-4098-8F04-5692B504D35C}" type="datetimeFigureOut">
               <a:rPr lang="en-AU" smtClean="0"/>
-              <a:t>28/11/2018</a:t>
+              <a:t>14/12/2018</a:t>
             </a:fld>
             <a:endParaRPr lang="en-AU"/>
           </a:p>
@@ -2364,7 +2365,7 @@
           <a:p>
             <a:fld id="{29678B5A-351E-4098-8F04-5692B504D35C}" type="datetimeFigureOut">
               <a:rPr lang="en-AU" smtClean="0"/>
-              <a:t>28/11/2018</a:t>
+              <a:t>14/12/2018</a:t>
             </a:fld>
             <a:endParaRPr lang="en-AU"/>
           </a:p>
@@ -2577,7 +2578,7 @@
           <a:p>
             <a:fld id="{29678B5A-351E-4098-8F04-5692B504D35C}" type="datetimeFigureOut">
               <a:rPr lang="en-AU" smtClean="0"/>
-              <a:t>28/11/2018</a:t>
+              <a:t>14/12/2018</a:t>
             </a:fld>
             <a:endParaRPr lang="en-AU"/>
           </a:p>
@@ -3234,10 +3235,246 @@
   <p:clrMapOvr>
     <a:masterClrMapping/>
   </p:clrMapOvr>
+  <p:timing>
+    <p:tnLst>
+      <p:par>
+        <p:cTn id="1" dur="indefinite" restart="never" nodeType="tmRoot"/>
+      </p:par>
+    </p:tnLst>
+  </p:timing>
 </p:sld>
 </file>
 
 <file path=ppt/slides/slide3.xml><?xml version="1.0" encoding="utf-8"?>
+<p:sld xmlns:a="http://schemas.openxmlformats.org/drawingml/2006/main" xmlns:r="http://schemas.openxmlformats.org/officeDocument/2006/relationships" xmlns:p="http://schemas.openxmlformats.org/presentationml/2006/main">
+  <p:cSld>
+    <p:spTree>
+      <p:nvGrpSpPr>
+        <p:cNvPr id="1" name=""/>
+        <p:cNvGrpSpPr/>
+        <p:nvPr/>
+      </p:nvGrpSpPr>
+      <p:grpSpPr>
+        <a:xfrm>
+          <a:off x="0" y="0"/>
+          <a:ext cx="0" cy="0"/>
+          <a:chOff x="0" y="0"/>
+          <a:chExt cx="0" cy="0"/>
+        </a:xfrm>
+      </p:grpSpPr>
+      <p:pic>
+        <p:nvPicPr>
+          <p:cNvPr id="4" name="Imagen 3"/>
+          <p:cNvPicPr>
+            <a:picLocks noChangeAspect="1"/>
+          </p:cNvPicPr>
+          <p:nvPr/>
+        </p:nvPicPr>
+        <p:blipFill>
+          <a:blip r:embed="rId2">
+            <a:extLst>
+              <a:ext uri="{28A0092B-C50C-407E-A947-70E740481C1C}">
+                <a14:useLocalDpi xmlns:a14="http://schemas.microsoft.com/office/drawing/2010/main" val="0"/>
+              </a:ext>
+            </a:extLst>
+          </a:blip>
+          <a:stretch>
+            <a:fillRect/>
+          </a:stretch>
+        </p:blipFill>
+        <p:spPr>
+          <a:xfrm>
+            <a:off x="1" y="0"/>
+            <a:ext cx="12203154" cy="5229923"/>
+          </a:xfrm>
+          <a:prstGeom prst="rect">
+            <a:avLst/>
+          </a:prstGeom>
+        </p:spPr>
+      </p:pic>
+      <p:sp>
+        <p:nvSpPr>
+          <p:cNvPr id="5" name="CuadroTexto 4"/>
+          <p:cNvSpPr txBox="1"/>
+          <p:nvPr/>
+        </p:nvSpPr>
+        <p:spPr>
+          <a:xfrm>
+            <a:off x="12312" y="11155"/>
+            <a:ext cx="6821099" cy="1569660"/>
+          </a:xfrm>
+          <a:prstGeom prst="rect">
+            <a:avLst/>
+          </a:prstGeom>
+          <a:noFill/>
+        </p:spPr>
+        <p:txBody>
+          <a:bodyPr wrap="none" rtlCol="0">
+            <a:spAutoFit/>
+          </a:bodyPr>
+          <a:lstStyle/>
+          <a:p>
+            <a:pPr algn="ctr"/>
+            <a:r>
+              <a:rPr lang="es-CO" sz="4800" dirty="0" err="1" smtClean="0">
+                <a:solidFill>
+                  <a:schemeClr val="bg1"/>
+                </a:solidFill>
+                <a:latin typeface="Courier New" panose="02070309020205020404" pitchFamily="49" charset="0"/>
+                <a:cs typeface="Courier New" panose="02070309020205020404" pitchFamily="49" charset="0"/>
+              </a:rPr>
+              <a:t>Rday</a:t>
+            </a:r>
+            <a:r>
+              <a:rPr lang="es-CO" sz="4800" dirty="0" smtClean="0">
+                <a:solidFill>
+                  <a:schemeClr val="bg1"/>
+                </a:solidFill>
+                <a:latin typeface="Courier New" panose="02070309020205020404" pitchFamily="49" charset="0"/>
+                <a:cs typeface="Courier New" panose="02070309020205020404" pitchFamily="49" charset="0"/>
+              </a:rPr>
+              <a:t> Medellín</a:t>
+            </a:r>
+          </a:p>
+          <a:p>
+            <a:pPr algn="ctr"/>
+            <a:r>
+              <a:rPr lang="es-CO" sz="4800" dirty="0" err="1" smtClean="0">
+                <a:solidFill>
+                  <a:schemeClr val="bg1"/>
+                </a:solidFill>
+                <a:latin typeface="Courier New" panose="02070309020205020404" pitchFamily="49" charset="0"/>
+                <a:cs typeface="Courier New" panose="02070309020205020404" pitchFamily="49" charset="0"/>
+              </a:rPr>
+              <a:t>Novembre</a:t>
+            </a:r>
+            <a:r>
+              <a:rPr lang="es-CO" sz="4800" dirty="0" smtClean="0">
+                <a:solidFill>
+                  <a:schemeClr val="bg1"/>
+                </a:solidFill>
+                <a:latin typeface="Courier New" panose="02070309020205020404" pitchFamily="49" charset="0"/>
+                <a:cs typeface="Courier New" panose="02070309020205020404" pitchFamily="49" charset="0"/>
+              </a:rPr>
+              <a:t> 8 de 2019</a:t>
+            </a:r>
+            <a:endParaRPr lang="en-AU" sz="4800" dirty="0">
+              <a:solidFill>
+                <a:schemeClr val="bg1"/>
+              </a:solidFill>
+              <a:latin typeface="Courier New" panose="02070309020205020404" pitchFamily="49" charset="0"/>
+              <a:cs typeface="Courier New" panose="02070309020205020404" pitchFamily="49" charset="0"/>
+            </a:endParaRPr>
+          </a:p>
+        </p:txBody>
+      </p:sp>
+      <p:sp>
+        <p:nvSpPr>
+          <p:cNvPr id="6" name="Rectángulo 5"/>
+          <p:cNvSpPr/>
+          <p:nvPr/>
+        </p:nvSpPr>
+        <p:spPr>
+          <a:xfrm>
+            <a:off x="7354703" y="506943"/>
+            <a:ext cx="4688848" cy="523220"/>
+          </a:xfrm>
+          <a:prstGeom prst="rect">
+            <a:avLst/>
+          </a:prstGeom>
+        </p:spPr>
+        <p:txBody>
+          <a:bodyPr wrap="none">
+            <a:spAutoFit/>
+          </a:bodyPr>
+          <a:lstStyle/>
+          <a:p>
+            <a:r>
+              <a:rPr lang="en-AU" sz="2800" dirty="0" smtClean="0">
+                <a:solidFill>
+                  <a:schemeClr val="bg1"/>
+                </a:solidFill>
+              </a:rPr>
+              <a:t>https://</a:t>
+            </a:r>
+            <a:r>
+              <a:rPr lang="en-AU" sz="2800" dirty="0" smtClean="0">
+                <a:solidFill>
+                  <a:schemeClr val="bg1"/>
+                </a:solidFill>
+              </a:rPr>
+              <a:t>rdaymedellin.github.io</a:t>
+            </a:r>
+            <a:endParaRPr lang="en-AU" sz="2800" dirty="0">
+              <a:solidFill>
+                <a:schemeClr val="bg1"/>
+              </a:solidFill>
+            </a:endParaRPr>
+          </a:p>
+        </p:txBody>
+      </p:sp>
+      <p:pic>
+        <p:nvPicPr>
+          <p:cNvPr id="7" name="Picture 8" descr="Tu cÃ³digo QR"/>
+          <p:cNvPicPr>
+            <a:picLocks noChangeAspect="1" noChangeArrowheads="1"/>
+          </p:cNvPicPr>
+          <p:nvPr/>
+        </p:nvPicPr>
+        <p:blipFill>
+          <a:blip r:embed="rId3">
+            <a:extLst>
+              <a:ext uri="{28A0092B-C50C-407E-A947-70E740481C1C}">
+                <a14:useLocalDpi xmlns:a14="http://schemas.microsoft.com/office/drawing/2010/main" val="0"/>
+              </a:ext>
+            </a:extLst>
+          </a:blip>
+          <a:srcRect/>
+          <a:stretch>
+            <a:fillRect/>
+          </a:stretch>
+        </p:blipFill>
+        <p:spPr bwMode="auto">
+          <a:xfrm>
+            <a:off x="9895490" y="3062101"/>
+            <a:ext cx="2296510" cy="2296510"/>
+          </a:xfrm>
+          <a:prstGeom prst="rect">
+            <a:avLst/>
+          </a:prstGeom>
+          <a:noFill/>
+          <a:extLst>
+            <a:ext uri="{909E8E84-426E-40DD-AFC4-6F175D3DCCD1}">
+              <a14:hiddenFill xmlns:a14="http://schemas.microsoft.com/office/drawing/2010/main">
+                <a:solidFill>
+                  <a:srgbClr val="FFFFFF"/>
+                </a:solidFill>
+              </a14:hiddenFill>
+            </a:ext>
+          </a:extLst>
+        </p:spPr>
+      </p:pic>
+    </p:spTree>
+    <p:extLst>
+      <p:ext uri="{BB962C8B-B14F-4D97-AF65-F5344CB8AC3E}">
+        <p14:creationId xmlns:p14="http://schemas.microsoft.com/office/powerpoint/2010/main" val="2699235542"/>
+      </p:ext>
+    </p:extLst>
+  </p:cSld>
+  <p:clrMapOvr>
+    <a:masterClrMapping/>
+  </p:clrMapOvr>
+  <p:timing>
+    <p:tnLst>
+      <p:par>
+        <p:cTn id="1" dur="indefinite" restart="never" nodeType="tmRoot"/>
+      </p:par>
+    </p:tnLst>
+  </p:timing>
+</p:sld>
+</file>
+
+<file path=ppt/slides/slide4.xml><?xml version="1.0" encoding="utf-8"?>
 <p:sld xmlns:a="http://schemas.openxmlformats.org/drawingml/2006/main" xmlns:r="http://schemas.openxmlformats.org/officeDocument/2006/relationships" xmlns:p="http://schemas.openxmlformats.org/presentationml/2006/main">
   <p:cSld>
     <p:spTree>
@@ -3335,6 +3572,13 @@
   <p:clrMapOvr>
     <a:masterClrMapping/>
   </p:clrMapOvr>
+  <p:timing>
+    <p:tnLst>
+      <p:par>
+        <p:cTn id="1" dur="indefinite" restart="never" nodeType="tmRoot"/>
+      </p:par>
+    </p:tnLst>
+  </p:timing>
 </p:sld>
 </file>
 

--- a/imagenes/auxiliar.pptx
+++ b/imagenes/auxiliar.pptx
@@ -3300,8 +3300,8 @@
         </p:nvSpPr>
         <p:spPr>
           <a:xfrm>
-            <a:off x="12312" y="11155"/>
-            <a:ext cx="6821099" cy="1569660"/>
+            <a:off x="6387" y="11155"/>
+            <a:ext cx="7189789" cy="1569660"/>
           </a:xfrm>
           <a:prstGeom prst="rect">
             <a:avLst/>
@@ -3339,16 +3339,6 @@
           <a:p>
             <a:pPr algn="ctr"/>
             <a:r>
-              <a:rPr lang="es-CO" sz="4800" dirty="0" err="1" smtClean="0">
-                <a:solidFill>
-                  <a:schemeClr val="bg1"/>
-                </a:solidFill>
-                <a:latin typeface="Courier New" panose="02070309020205020404" pitchFamily="49" charset="0"/>
-                <a:cs typeface="Courier New" panose="02070309020205020404" pitchFamily="49" charset="0"/>
-              </a:rPr>
-              <a:t>Novembre</a:t>
-            </a:r>
-            <a:r>
               <a:rPr lang="es-CO" sz="4800" dirty="0" smtClean="0">
                 <a:solidFill>
                   <a:schemeClr val="bg1"/>
@@ -3356,7 +3346,17 @@
                 <a:latin typeface="Courier New" panose="02070309020205020404" pitchFamily="49" charset="0"/>
                 <a:cs typeface="Courier New" panose="02070309020205020404" pitchFamily="49" charset="0"/>
               </a:rPr>
-              <a:t> 8 de 2019</a:t>
+              <a:t>Noviembre </a:t>
+            </a:r>
+            <a:r>
+              <a:rPr lang="es-CO" sz="4800" dirty="0" smtClean="0">
+                <a:solidFill>
+                  <a:schemeClr val="bg1"/>
+                </a:solidFill>
+                <a:latin typeface="Courier New" panose="02070309020205020404" pitchFamily="49" charset="0"/>
+                <a:cs typeface="Courier New" panose="02070309020205020404" pitchFamily="49" charset="0"/>
+              </a:rPr>
+              <a:t>8 de 2019</a:t>
             </a:r>
             <a:endParaRPr lang="en-AU" sz="4800" dirty="0">
               <a:solidFill>
@@ -3376,7 +3376,7 @@
         </p:nvSpPr>
         <p:spPr>
           <a:xfrm>
-            <a:off x="7354703" y="506943"/>
+            <a:off x="7355241" y="440036"/>
             <a:ext cx="4688848" cy="523220"/>
           </a:xfrm>
           <a:prstGeom prst="rect">
@@ -3395,15 +3395,7 @@
                   <a:schemeClr val="bg1"/>
                 </a:solidFill>
               </a:rPr>
-              <a:t>https://</a:t>
-            </a:r>
-            <a:r>
-              <a:rPr lang="en-AU" sz="2800" dirty="0" smtClean="0">
-                <a:solidFill>
-                  <a:schemeClr val="bg1"/>
-                </a:solidFill>
-              </a:rPr>
-              <a:t>rdaymedellin.github.io</a:t>
+              <a:t>https://rdaymedellin.github.io</a:t>
             </a:r>
             <a:endParaRPr lang="en-AU" sz="2800" dirty="0">
               <a:solidFill>
@@ -3413,47 +3405,6 @@
           </a:p>
         </p:txBody>
       </p:sp>
-      <p:pic>
-        <p:nvPicPr>
-          <p:cNvPr id="7" name="Picture 8" descr="Tu cÃ³digo QR"/>
-          <p:cNvPicPr>
-            <a:picLocks noChangeAspect="1" noChangeArrowheads="1"/>
-          </p:cNvPicPr>
-          <p:nvPr/>
-        </p:nvPicPr>
-        <p:blipFill>
-          <a:blip r:embed="rId3">
-            <a:extLst>
-              <a:ext uri="{28A0092B-C50C-407E-A947-70E740481C1C}">
-                <a14:useLocalDpi xmlns:a14="http://schemas.microsoft.com/office/drawing/2010/main" val="0"/>
-              </a:ext>
-            </a:extLst>
-          </a:blip>
-          <a:srcRect/>
-          <a:stretch>
-            <a:fillRect/>
-          </a:stretch>
-        </p:blipFill>
-        <p:spPr bwMode="auto">
-          <a:xfrm>
-            <a:off x="9895490" y="3062101"/>
-            <a:ext cx="2296510" cy="2296510"/>
-          </a:xfrm>
-          <a:prstGeom prst="rect">
-            <a:avLst/>
-          </a:prstGeom>
-          <a:noFill/>
-          <a:extLst>
-            <a:ext uri="{909E8E84-426E-40DD-AFC4-6F175D3DCCD1}">
-              <a14:hiddenFill xmlns:a14="http://schemas.microsoft.com/office/drawing/2010/main">
-                <a:solidFill>
-                  <a:srgbClr val="FFFFFF"/>
-                </a:solidFill>
-              </a14:hiddenFill>
-            </a:ext>
-          </a:extLst>
-        </p:spPr>
-      </p:pic>
     </p:spTree>
     <p:extLst>
       <p:ext uri="{BB962C8B-B14F-4D97-AF65-F5344CB8AC3E}">

--- a/imagenes/auxiliar.pptx
+++ b/imagenes/auxiliar.pptx
@@ -9,6 +9,11 @@
     <p:sldId id="257" r:id="rId3"/>
     <p:sldId id="259" r:id="rId4"/>
     <p:sldId id="258" r:id="rId5"/>
+    <p:sldId id="260" r:id="rId6"/>
+    <p:sldId id="261" r:id="rId7"/>
+    <p:sldId id="262" r:id="rId8"/>
+    <p:sldId id="263" r:id="rId9"/>
+    <p:sldId id="265" r:id="rId10"/>
   </p:sldIdLst>
   <p:sldSz cx="12192000" cy="6858000"/>
   <p:notesSz cx="6858000" cy="9144000"/>
@@ -110,7 +115,7 @@
   <p:extLst>
     <p:ext uri="{EFAFB233-063F-42B5-8137-9DF3F51BA10A}">
       <p15:sldGuideLst xmlns:p15="http://schemas.microsoft.com/office/powerpoint/2012/main">
-        <p15:guide id="1" orient="horz" pos="2160" userDrawn="1">
+        <p15:guide id="1" orient="horz" pos="2183" userDrawn="1">
           <p15:clr>
             <a:srgbClr val="A4A3A4"/>
           </p15:clr>
@@ -127,7 +132,7 @@
 </file>
 
 <file path=ppt/slideLayouts/slideLayout1.xml><?xml version="1.0" encoding="utf-8"?>
-<p:sldLayout xmlns:a="http://schemas.openxmlformats.org/drawingml/2006/main" xmlns:r="http://schemas.openxmlformats.org/officeDocument/2006/relationships" xmlns:p="http://schemas.openxmlformats.org/presentationml/2006/main" type="title" preserve="1">
+<p:sldLayout xmlns:a="http://schemas.openxmlformats.org/drawingml/2006/main" xmlns:r="http://schemas.openxmlformats.org/officeDocument/2006/relationships" xmlns:p="http://schemas.openxmlformats.org/presentationml/2006/main" showMasterSp="0" type="title" preserve="1">
   <p:cSld name="Diapositiva de título">
     <p:spTree>
       <p:nvGrpSpPr>
@@ -257,7 +262,7 @@
           <a:p>
             <a:fld id="{29678B5A-351E-4098-8F04-5692B504D35C}" type="datetimeFigureOut">
               <a:rPr lang="en-AU" smtClean="0"/>
-              <a:t>14/12/2018</a:t>
+              <a:t>4/02/2019</a:t>
             </a:fld>
             <a:endParaRPr lang="en-AU"/>
           </a:p>
@@ -319,7 +324,7 @@
 </file>
 
 <file path=ppt/slideLayouts/slideLayout10.xml><?xml version="1.0" encoding="utf-8"?>
-<p:sldLayout xmlns:a="http://schemas.openxmlformats.org/drawingml/2006/main" xmlns:r="http://schemas.openxmlformats.org/officeDocument/2006/relationships" xmlns:p="http://schemas.openxmlformats.org/presentationml/2006/main" type="vertTx" preserve="1">
+<p:sldLayout xmlns:a="http://schemas.openxmlformats.org/drawingml/2006/main" xmlns:r="http://schemas.openxmlformats.org/officeDocument/2006/relationships" xmlns:p="http://schemas.openxmlformats.org/presentationml/2006/main" showMasterSp="0" type="vertTx" preserve="1">
   <p:cSld name="Título y texto vertical">
     <p:spTree>
       <p:nvGrpSpPr>
@@ -427,7 +432,7 @@
           <a:p>
             <a:fld id="{29678B5A-351E-4098-8F04-5692B504D35C}" type="datetimeFigureOut">
               <a:rPr lang="en-AU" smtClean="0"/>
-              <a:t>14/12/2018</a:t>
+              <a:t>4/02/2019</a:t>
             </a:fld>
             <a:endParaRPr lang="en-AU"/>
           </a:p>
@@ -489,7 +494,7 @@
 </file>
 
 <file path=ppt/slideLayouts/slideLayout11.xml><?xml version="1.0" encoding="utf-8"?>
-<p:sldLayout xmlns:a="http://schemas.openxmlformats.org/drawingml/2006/main" xmlns:r="http://schemas.openxmlformats.org/officeDocument/2006/relationships" xmlns:p="http://schemas.openxmlformats.org/presentationml/2006/main" type="vertTitleAndTx" preserve="1">
+<p:sldLayout xmlns:a="http://schemas.openxmlformats.org/drawingml/2006/main" xmlns:r="http://schemas.openxmlformats.org/officeDocument/2006/relationships" xmlns:p="http://schemas.openxmlformats.org/presentationml/2006/main" showMasterSp="0" type="vertTitleAndTx" preserve="1">
   <p:cSld name="Título vertical y texto">
     <p:spTree>
       <p:nvGrpSpPr>
@@ -607,7 +612,7 @@
           <a:p>
             <a:fld id="{29678B5A-351E-4098-8F04-5692B504D35C}" type="datetimeFigureOut">
               <a:rPr lang="en-AU" smtClean="0"/>
-              <a:t>14/12/2018</a:t>
+              <a:t>4/02/2019</a:t>
             </a:fld>
             <a:endParaRPr lang="en-AU"/>
           </a:p>
@@ -669,7 +674,7 @@
 </file>
 
 <file path=ppt/slideLayouts/slideLayout2.xml><?xml version="1.0" encoding="utf-8"?>
-<p:sldLayout xmlns:a="http://schemas.openxmlformats.org/drawingml/2006/main" xmlns:r="http://schemas.openxmlformats.org/officeDocument/2006/relationships" xmlns:p="http://schemas.openxmlformats.org/presentationml/2006/main" type="obj" preserve="1">
+<p:sldLayout xmlns:a="http://schemas.openxmlformats.org/drawingml/2006/main" xmlns:r="http://schemas.openxmlformats.org/officeDocument/2006/relationships" xmlns:p="http://schemas.openxmlformats.org/presentationml/2006/main" showMasterSp="0" type="obj" preserve="1">
   <p:cSld name="Título y objetos">
     <p:spTree>
       <p:nvGrpSpPr>
@@ -777,7 +782,7 @@
           <a:p>
             <a:fld id="{29678B5A-351E-4098-8F04-5692B504D35C}" type="datetimeFigureOut">
               <a:rPr lang="en-AU" smtClean="0"/>
-              <a:t>14/12/2018</a:t>
+              <a:t>4/02/2019</a:t>
             </a:fld>
             <a:endParaRPr lang="en-AU"/>
           </a:p>
@@ -839,7 +844,7 @@
 </file>
 
 <file path=ppt/slideLayouts/slideLayout3.xml><?xml version="1.0" encoding="utf-8"?>
-<p:sldLayout xmlns:a="http://schemas.openxmlformats.org/drawingml/2006/main" xmlns:r="http://schemas.openxmlformats.org/officeDocument/2006/relationships" xmlns:p="http://schemas.openxmlformats.org/presentationml/2006/main" type="secHead" preserve="1">
+<p:sldLayout xmlns:a="http://schemas.openxmlformats.org/drawingml/2006/main" xmlns:r="http://schemas.openxmlformats.org/officeDocument/2006/relationships" xmlns:p="http://schemas.openxmlformats.org/presentationml/2006/main" showMasterSp="0" type="secHead" preserve="1">
   <p:cSld name="Encabezado de sección">
     <p:spTree>
       <p:nvGrpSpPr>
@@ -1023,7 +1028,7 @@
           <a:p>
             <a:fld id="{29678B5A-351E-4098-8F04-5692B504D35C}" type="datetimeFigureOut">
               <a:rPr lang="en-AU" smtClean="0"/>
-              <a:t>14/12/2018</a:t>
+              <a:t>4/02/2019</a:t>
             </a:fld>
             <a:endParaRPr lang="en-AU"/>
           </a:p>
@@ -1085,7 +1090,7 @@
 </file>
 
 <file path=ppt/slideLayouts/slideLayout4.xml><?xml version="1.0" encoding="utf-8"?>
-<p:sldLayout xmlns:a="http://schemas.openxmlformats.org/drawingml/2006/main" xmlns:r="http://schemas.openxmlformats.org/officeDocument/2006/relationships" xmlns:p="http://schemas.openxmlformats.org/presentationml/2006/main" type="twoObj" preserve="1">
+<p:sldLayout xmlns:a="http://schemas.openxmlformats.org/drawingml/2006/main" xmlns:r="http://schemas.openxmlformats.org/officeDocument/2006/relationships" xmlns:p="http://schemas.openxmlformats.org/presentationml/2006/main" showMasterSp="0" type="twoObj" preserve="1">
   <p:cSld name="Dos objetos">
     <p:spTree>
       <p:nvGrpSpPr>
@@ -1255,7 +1260,7 @@
           <a:p>
             <a:fld id="{29678B5A-351E-4098-8F04-5692B504D35C}" type="datetimeFigureOut">
               <a:rPr lang="en-AU" smtClean="0"/>
-              <a:t>14/12/2018</a:t>
+              <a:t>4/02/2019</a:t>
             </a:fld>
             <a:endParaRPr lang="en-AU"/>
           </a:p>
@@ -1317,7 +1322,7 @@
 </file>
 
 <file path=ppt/slideLayouts/slideLayout5.xml><?xml version="1.0" encoding="utf-8"?>
-<p:sldLayout xmlns:a="http://schemas.openxmlformats.org/drawingml/2006/main" xmlns:r="http://schemas.openxmlformats.org/officeDocument/2006/relationships" xmlns:p="http://schemas.openxmlformats.org/presentationml/2006/main" type="twoTxTwoObj" preserve="1">
+<p:sldLayout xmlns:a="http://schemas.openxmlformats.org/drawingml/2006/main" xmlns:r="http://schemas.openxmlformats.org/officeDocument/2006/relationships" xmlns:p="http://schemas.openxmlformats.org/presentationml/2006/main" showMasterSp="0" type="twoTxTwoObj" preserve="1">
   <p:cSld name="Comparación">
     <p:spTree>
       <p:nvGrpSpPr>
@@ -1622,7 +1627,7 @@
           <a:p>
             <a:fld id="{29678B5A-351E-4098-8F04-5692B504D35C}" type="datetimeFigureOut">
               <a:rPr lang="en-AU" smtClean="0"/>
-              <a:t>14/12/2018</a:t>
+              <a:t>4/02/2019</a:t>
             </a:fld>
             <a:endParaRPr lang="en-AU"/>
           </a:p>
@@ -1684,7 +1689,7 @@
 </file>
 
 <file path=ppt/slideLayouts/slideLayout6.xml><?xml version="1.0" encoding="utf-8"?>
-<p:sldLayout xmlns:a="http://schemas.openxmlformats.org/drawingml/2006/main" xmlns:r="http://schemas.openxmlformats.org/officeDocument/2006/relationships" xmlns:p="http://schemas.openxmlformats.org/presentationml/2006/main" type="titleOnly" preserve="1">
+<p:sldLayout xmlns:a="http://schemas.openxmlformats.org/drawingml/2006/main" xmlns:r="http://schemas.openxmlformats.org/officeDocument/2006/relationships" xmlns:p="http://schemas.openxmlformats.org/presentationml/2006/main" showMasterSp="0" type="titleOnly" preserve="1">
   <p:cSld name="Solo el título">
     <p:spTree>
       <p:nvGrpSpPr>
@@ -1740,7 +1745,7 @@
           <a:p>
             <a:fld id="{29678B5A-351E-4098-8F04-5692B504D35C}" type="datetimeFigureOut">
               <a:rPr lang="en-AU" smtClean="0"/>
-              <a:t>14/12/2018</a:t>
+              <a:t>4/02/2019</a:t>
             </a:fld>
             <a:endParaRPr lang="en-AU"/>
           </a:p>
@@ -1802,7 +1807,7 @@
 </file>
 
 <file path=ppt/slideLayouts/slideLayout7.xml><?xml version="1.0" encoding="utf-8"?>
-<p:sldLayout xmlns:a="http://schemas.openxmlformats.org/drawingml/2006/main" xmlns:r="http://schemas.openxmlformats.org/officeDocument/2006/relationships" xmlns:p="http://schemas.openxmlformats.org/presentationml/2006/main" type="blank" preserve="1">
+<p:sldLayout xmlns:a="http://schemas.openxmlformats.org/drawingml/2006/main" xmlns:r="http://schemas.openxmlformats.org/officeDocument/2006/relationships" xmlns:p="http://schemas.openxmlformats.org/presentationml/2006/main" showMasterSp="0" type="blank" preserve="1">
   <p:cSld name="En blanco">
     <p:spTree>
       <p:nvGrpSpPr>
@@ -1835,7 +1840,7 @@
           <a:p>
             <a:fld id="{29678B5A-351E-4098-8F04-5692B504D35C}" type="datetimeFigureOut">
               <a:rPr lang="en-AU" smtClean="0"/>
-              <a:t>14/12/2018</a:t>
+              <a:t>4/02/2019</a:t>
             </a:fld>
             <a:endParaRPr lang="en-AU"/>
           </a:p>
@@ -1897,7 +1902,7 @@
 </file>
 
 <file path=ppt/slideLayouts/slideLayout8.xml><?xml version="1.0" encoding="utf-8"?>
-<p:sldLayout xmlns:a="http://schemas.openxmlformats.org/drawingml/2006/main" xmlns:r="http://schemas.openxmlformats.org/officeDocument/2006/relationships" xmlns:p="http://schemas.openxmlformats.org/presentationml/2006/main" type="objTx" preserve="1">
+<p:sldLayout xmlns:a="http://schemas.openxmlformats.org/drawingml/2006/main" xmlns:r="http://schemas.openxmlformats.org/officeDocument/2006/relationships" xmlns:p="http://schemas.openxmlformats.org/presentationml/2006/main" showMasterSp="0" type="objTx" preserve="1">
   <p:cSld name="Contenido con título">
     <p:spTree>
       <p:nvGrpSpPr>
@@ -2112,7 +2117,7 @@
           <a:p>
             <a:fld id="{29678B5A-351E-4098-8F04-5692B504D35C}" type="datetimeFigureOut">
               <a:rPr lang="en-AU" smtClean="0"/>
-              <a:t>14/12/2018</a:t>
+              <a:t>4/02/2019</a:t>
             </a:fld>
             <a:endParaRPr lang="en-AU"/>
           </a:p>
@@ -2174,7 +2179,7 @@
 </file>
 
 <file path=ppt/slideLayouts/slideLayout9.xml><?xml version="1.0" encoding="utf-8"?>
-<p:sldLayout xmlns:a="http://schemas.openxmlformats.org/drawingml/2006/main" xmlns:r="http://schemas.openxmlformats.org/officeDocument/2006/relationships" xmlns:p="http://schemas.openxmlformats.org/presentationml/2006/main" type="picTx" preserve="1">
+<p:sldLayout xmlns:a="http://schemas.openxmlformats.org/drawingml/2006/main" xmlns:r="http://schemas.openxmlformats.org/officeDocument/2006/relationships" xmlns:p="http://schemas.openxmlformats.org/presentationml/2006/main" showMasterSp="0" type="picTx" preserve="1">
   <p:cSld name="Imagen con título">
     <p:spTree>
       <p:nvGrpSpPr>
@@ -2365,7 +2370,7 @@
           <a:p>
             <a:fld id="{29678B5A-351E-4098-8F04-5692B504D35C}" type="datetimeFigureOut">
               <a:rPr lang="en-AU" smtClean="0"/>
-              <a:t>14/12/2018</a:t>
+              <a:t>4/02/2019</a:t>
             </a:fld>
             <a:endParaRPr lang="en-AU"/>
           </a:p>
@@ -2430,9 +2435,12 @@
 <p:sldMaster xmlns:a="http://schemas.openxmlformats.org/drawingml/2006/main" xmlns:r="http://schemas.openxmlformats.org/officeDocument/2006/relationships" xmlns:p="http://schemas.openxmlformats.org/presentationml/2006/main">
   <p:cSld>
     <p:bg>
-      <p:bgRef idx="1001">
-        <a:schemeClr val="bg1"/>
-      </p:bgRef>
+      <p:bgPr>
+        <a:solidFill>
+          <a:schemeClr val="bg1"/>
+        </a:solidFill>
+        <a:effectLst/>
+      </p:bgPr>
     </p:bg>
     <p:spTree>
       <p:nvGrpSpPr>
@@ -2578,7 +2586,7 @@
           <a:p>
             <a:fld id="{29678B5A-351E-4098-8F04-5692B504D35C}" type="datetimeFigureOut">
               <a:rPr lang="en-AU" smtClean="0"/>
-              <a:t>14/12/2018</a:t>
+              <a:t>4/02/2019</a:t>
             </a:fld>
             <a:endParaRPr lang="en-AU"/>
           </a:p>
@@ -2967,7 +2975,7 @@
 </file>
 
 <file path=ppt/slides/slide1.xml><?xml version="1.0" encoding="utf-8"?>
-<p:sld xmlns:a="http://schemas.openxmlformats.org/drawingml/2006/main" xmlns:r="http://schemas.openxmlformats.org/officeDocument/2006/relationships" xmlns:p="http://schemas.openxmlformats.org/presentationml/2006/main">
+<p:sld xmlns:a="http://schemas.openxmlformats.org/drawingml/2006/main" xmlns:r="http://schemas.openxmlformats.org/officeDocument/2006/relationships" xmlns:p="http://schemas.openxmlformats.org/presentationml/2006/main" showMasterSp="0">
   <p:cSld>
     <p:spTree>
       <p:nvGrpSpPr>
@@ -3093,7 +3101,7 @@
 </file>
 
 <file path=ppt/slides/slide2.xml><?xml version="1.0" encoding="utf-8"?>
-<p:sld xmlns:a="http://schemas.openxmlformats.org/drawingml/2006/main" xmlns:r="http://schemas.openxmlformats.org/officeDocument/2006/relationships" xmlns:p="http://schemas.openxmlformats.org/presentationml/2006/main">
+<p:sld xmlns:a="http://schemas.openxmlformats.org/drawingml/2006/main" xmlns:r="http://schemas.openxmlformats.org/officeDocument/2006/relationships" xmlns:p="http://schemas.openxmlformats.org/presentationml/2006/main" showMasterSp="0">
   <p:cSld>
     <p:spTree>
       <p:nvGrpSpPr>
@@ -3246,7 +3254,7 @@
 </file>
 
 <file path=ppt/slides/slide3.xml><?xml version="1.0" encoding="utf-8"?>
-<p:sld xmlns:a="http://schemas.openxmlformats.org/drawingml/2006/main" xmlns:r="http://schemas.openxmlformats.org/officeDocument/2006/relationships" xmlns:p="http://schemas.openxmlformats.org/presentationml/2006/main">
+<p:sld xmlns:a="http://schemas.openxmlformats.org/drawingml/2006/main" xmlns:r="http://schemas.openxmlformats.org/officeDocument/2006/relationships" xmlns:p="http://schemas.openxmlformats.org/presentationml/2006/main" showMasterSp="0">
   <p:cSld>
     <p:spTree>
       <p:nvGrpSpPr>
@@ -3346,17 +3354,7 @@
                 <a:latin typeface="Courier New" panose="02070309020205020404" pitchFamily="49" charset="0"/>
                 <a:cs typeface="Courier New" panose="02070309020205020404" pitchFamily="49" charset="0"/>
               </a:rPr>
-              <a:t>Noviembre </a:t>
-            </a:r>
-            <a:r>
-              <a:rPr lang="es-CO" sz="4800" dirty="0" smtClean="0">
-                <a:solidFill>
-                  <a:schemeClr val="bg1"/>
-                </a:solidFill>
-                <a:latin typeface="Courier New" panose="02070309020205020404" pitchFamily="49" charset="0"/>
-                <a:cs typeface="Courier New" panose="02070309020205020404" pitchFamily="49" charset="0"/>
-              </a:rPr>
-              <a:t>8 de 2019</a:t>
+              <a:t>Noviembre 8 de 2019</a:t>
             </a:r>
             <a:endParaRPr lang="en-AU" sz="4800" dirty="0">
               <a:solidFill>
@@ -3426,7 +3424,7 @@
 </file>
 
 <file path=ppt/slides/slide4.xml><?xml version="1.0" encoding="utf-8"?>
-<p:sld xmlns:a="http://schemas.openxmlformats.org/drawingml/2006/main" xmlns:r="http://schemas.openxmlformats.org/officeDocument/2006/relationships" xmlns:p="http://schemas.openxmlformats.org/presentationml/2006/main">
+<p:sld xmlns:a="http://schemas.openxmlformats.org/drawingml/2006/main" xmlns:r="http://schemas.openxmlformats.org/officeDocument/2006/relationships" xmlns:p="http://schemas.openxmlformats.org/presentationml/2006/main" showMasterSp="0">
   <p:cSld>
     <p:spTree>
       <p:nvGrpSpPr>
@@ -3517,6 +3515,2299 @@
     <p:extLst>
       <p:ext uri="{BB962C8B-B14F-4D97-AF65-F5344CB8AC3E}">
         <p14:creationId xmlns:p14="http://schemas.microsoft.com/office/powerpoint/2010/main" val="1853137514"/>
+      </p:ext>
+    </p:extLst>
+  </p:cSld>
+  <p:clrMapOvr>
+    <a:masterClrMapping/>
+  </p:clrMapOvr>
+  <p:timing>
+    <p:tnLst>
+      <p:par>
+        <p:cTn id="1" dur="indefinite" restart="never" nodeType="tmRoot"/>
+      </p:par>
+    </p:tnLst>
+  </p:timing>
+</p:sld>
+</file>
+
+<file path=ppt/slides/slide5.xml><?xml version="1.0" encoding="utf-8"?>
+<p:sld xmlns:a="http://schemas.openxmlformats.org/drawingml/2006/main" xmlns:r="http://schemas.openxmlformats.org/officeDocument/2006/relationships" xmlns:p="http://schemas.openxmlformats.org/presentationml/2006/main" showMasterSp="0">
+  <p:cSld>
+    <p:spTree>
+      <p:nvGrpSpPr>
+        <p:cNvPr id="1" name=""/>
+        <p:cNvGrpSpPr/>
+        <p:nvPr/>
+      </p:nvGrpSpPr>
+      <p:grpSpPr>
+        <a:xfrm>
+          <a:off x="0" y="0"/>
+          <a:ext cx="0" cy="0"/>
+          <a:chOff x="0" y="0"/>
+          <a:chExt cx="0" cy="0"/>
+        </a:xfrm>
+      </p:grpSpPr>
+      <p:sp>
+        <p:nvSpPr>
+          <p:cNvPr id="12" name="Rectángulo 11"/>
+          <p:cNvSpPr/>
+          <p:nvPr/>
+        </p:nvSpPr>
+        <p:spPr>
+          <a:xfrm>
+            <a:off x="0" y="0"/>
+            <a:ext cx="6096000" cy="6869234"/>
+          </a:xfrm>
+          <a:prstGeom prst="rect">
+            <a:avLst/>
+          </a:prstGeom>
+          <a:gradFill flip="none" rotWithShape="1">
+            <a:gsLst>
+              <a:gs pos="0">
+                <a:schemeClr val="accent3">
+                  <a:lumMod val="0"/>
+                  <a:lumOff val="100000"/>
+                </a:schemeClr>
+              </a:gs>
+              <a:gs pos="35000">
+                <a:schemeClr val="accent3">
+                  <a:lumMod val="0"/>
+                  <a:lumOff val="100000"/>
+                </a:schemeClr>
+              </a:gs>
+              <a:gs pos="100000">
+                <a:schemeClr val="accent3">
+                  <a:lumMod val="100000"/>
+                </a:schemeClr>
+              </a:gs>
+            </a:gsLst>
+            <a:path path="circle">
+              <a:fillToRect l="50000" t="-80000" r="50000" b="180000"/>
+            </a:path>
+            <a:tileRect/>
+          </a:gradFill>
+        </p:spPr>
+        <p:style>
+          <a:lnRef idx="1">
+            <a:schemeClr val="accent3"/>
+          </a:lnRef>
+          <a:fillRef idx="2">
+            <a:schemeClr val="accent3"/>
+          </a:fillRef>
+          <a:effectRef idx="1">
+            <a:schemeClr val="accent3"/>
+          </a:effectRef>
+          <a:fontRef idx="minor">
+            <a:schemeClr val="dk1"/>
+          </a:fontRef>
+        </p:style>
+        <p:txBody>
+          <a:bodyPr rtlCol="0" anchor="ctr"/>
+          <a:lstStyle/>
+          <a:p>
+            <a:pPr algn="ctr"/>
+            <a:endParaRPr lang="en-AU"/>
+          </a:p>
+        </p:txBody>
+      </p:sp>
+      <p:sp>
+        <p:nvSpPr>
+          <p:cNvPr id="11" name="CuadroTexto 10"/>
+          <p:cNvSpPr txBox="1"/>
+          <p:nvPr/>
+        </p:nvSpPr>
+        <p:spPr>
+          <a:xfrm>
+            <a:off x="0" y="-60158"/>
+            <a:ext cx="6096000" cy="3970318"/>
+          </a:xfrm>
+          <a:prstGeom prst="rect">
+            <a:avLst/>
+          </a:prstGeom>
+          <a:noFill/>
+        </p:spPr>
+        <p:txBody>
+          <a:bodyPr wrap="square" rtlCol="0">
+            <a:spAutoFit/>
+          </a:bodyPr>
+          <a:lstStyle/>
+          <a:p>
+            <a:pPr algn="ctr"/>
+            <a:r>
+              <a:rPr lang="es-CO" sz="6000" dirty="0" smtClean="0"/>
+              <a:t>Concurso diseño de </a:t>
+            </a:r>
+            <a:r>
+              <a:rPr lang="es-CO" sz="7200" dirty="0" smtClean="0">
+                <a:solidFill>
+                  <a:srgbClr val="FF0066"/>
+                </a:solidFill>
+              </a:rPr>
+              <a:t>LOGOTIPO</a:t>
+            </a:r>
+            <a:r>
+              <a:rPr lang="es-CO" sz="6000" dirty="0" smtClean="0"/>
+              <a:t> </a:t>
+            </a:r>
+          </a:p>
+          <a:p>
+            <a:pPr algn="ctr"/>
+            <a:r>
+              <a:rPr lang="es-CO" sz="6000" dirty="0" smtClean="0"/>
+              <a:t>para el evento</a:t>
+            </a:r>
+          </a:p>
+          <a:p>
+            <a:pPr algn="ctr"/>
+            <a:r>
+              <a:rPr lang="es-CO" sz="5400" dirty="0" err="1" smtClean="0"/>
+              <a:t>Rdaymedellin</a:t>
+            </a:r>
+            <a:r>
+              <a:rPr lang="es-CO" sz="6000" dirty="0" smtClean="0"/>
+              <a:t> 2019</a:t>
+            </a:r>
+            <a:endParaRPr lang="en-AU" sz="6000" dirty="0"/>
+          </a:p>
+        </p:txBody>
+      </p:sp>
+      <p:pic>
+        <p:nvPicPr>
+          <p:cNvPr id="1032" name="Picture 8" descr="Resultado de imagen para lapices de colores"/>
+          <p:cNvPicPr>
+            <a:picLocks noChangeAspect="1" noChangeArrowheads="1"/>
+          </p:cNvPicPr>
+          <p:nvPr/>
+        </p:nvPicPr>
+        <p:blipFill rotWithShape="1">
+          <a:blip r:embed="rId2">
+            <a:extLst>
+              <a:ext uri="{28A0092B-C50C-407E-A947-70E740481C1C}">
+                <a14:useLocalDpi xmlns:a14="http://schemas.microsoft.com/office/drawing/2010/main" val="0"/>
+              </a:ext>
+            </a:extLst>
+          </a:blip>
+          <a:srcRect b="38872"/>
+          <a:stretch/>
+        </p:blipFill>
+        <p:spPr bwMode="auto">
+          <a:xfrm>
+            <a:off x="-602" y="4379489"/>
+            <a:ext cx="6110604" cy="2478511"/>
+          </a:xfrm>
+          <a:prstGeom prst="rect">
+            <a:avLst/>
+          </a:prstGeom>
+          <a:noFill/>
+          <a:extLst>
+            <a:ext uri="{909E8E84-426E-40DD-AFC4-6F175D3DCCD1}">
+              <a14:hiddenFill xmlns:a14="http://schemas.microsoft.com/office/drawing/2010/main">
+                <a:solidFill>
+                  <a:srgbClr val="FFFFFF"/>
+                </a:solidFill>
+              </a14:hiddenFill>
+            </a:ext>
+          </a:extLst>
+        </p:spPr>
+      </p:pic>
+      <p:pic>
+        <p:nvPicPr>
+          <p:cNvPr id="1034" name="Picture 10" descr="Resultado de imagen para logo unal"/>
+          <p:cNvPicPr>
+            <a:picLocks noChangeAspect="1" noChangeArrowheads="1"/>
+          </p:cNvPicPr>
+          <p:nvPr/>
+        </p:nvPicPr>
+        <p:blipFill>
+          <a:blip r:embed="rId3">
+            <a:extLst>
+              <a:ext uri="{28A0092B-C50C-407E-A947-70E740481C1C}">
+                <a14:useLocalDpi xmlns:a14="http://schemas.microsoft.com/office/drawing/2010/main" val="0"/>
+              </a:ext>
+            </a:extLst>
+          </a:blip>
+          <a:srcRect/>
+          <a:stretch>
+            <a:fillRect/>
+          </a:stretch>
+        </p:blipFill>
+        <p:spPr bwMode="auto">
+          <a:xfrm>
+            <a:off x="7133890" y="5473282"/>
+            <a:ext cx="2228850" cy="1171575"/>
+          </a:xfrm>
+          <a:prstGeom prst="rect">
+            <a:avLst/>
+          </a:prstGeom>
+          <a:noFill/>
+          <a:extLst>
+            <a:ext uri="{909E8E84-426E-40DD-AFC4-6F175D3DCCD1}">
+              <a14:hiddenFill xmlns:a14="http://schemas.microsoft.com/office/drawing/2010/main">
+                <a:solidFill>
+                  <a:srgbClr val="FFFFFF"/>
+                </a:solidFill>
+              </a14:hiddenFill>
+            </a:ext>
+          </a:extLst>
+        </p:spPr>
+      </p:pic>
+      <p:pic>
+        <p:nvPicPr>
+          <p:cNvPr id="1036" name="Picture 12" descr="Resultado de imagen para logo udea"/>
+          <p:cNvPicPr>
+            <a:picLocks noChangeAspect="1" noChangeArrowheads="1"/>
+          </p:cNvPicPr>
+          <p:nvPr/>
+        </p:nvPicPr>
+        <p:blipFill rotWithShape="1">
+          <a:blip r:embed="rId4" cstate="print">
+            <a:extLst>
+              <a:ext uri="{28A0092B-C50C-407E-A947-70E740481C1C}">
+                <a14:useLocalDpi xmlns:a14="http://schemas.microsoft.com/office/drawing/2010/main" val="0"/>
+              </a:ext>
+            </a:extLst>
+          </a:blip>
+          <a:srcRect b="15962"/>
+          <a:stretch/>
+        </p:blipFill>
+        <p:spPr bwMode="auto">
+          <a:xfrm>
+            <a:off x="9810167" y="5421396"/>
+            <a:ext cx="1056669" cy="1275347"/>
+          </a:xfrm>
+          <a:prstGeom prst="rect">
+            <a:avLst/>
+          </a:prstGeom>
+          <a:noFill/>
+          <a:extLst>
+            <a:ext uri="{909E8E84-426E-40DD-AFC4-6F175D3DCCD1}">
+              <a14:hiddenFill xmlns:a14="http://schemas.microsoft.com/office/drawing/2010/main">
+                <a:solidFill>
+                  <a:srgbClr val="FFFFFF"/>
+                </a:solidFill>
+              </a14:hiddenFill>
+            </a:ext>
+          </a:extLst>
+        </p:spPr>
+      </p:pic>
+      <p:sp>
+        <p:nvSpPr>
+          <p:cNvPr id="13" name="Rectángulo 12"/>
+          <p:cNvSpPr/>
+          <p:nvPr/>
+        </p:nvSpPr>
+        <p:spPr>
+          <a:xfrm>
+            <a:off x="6097970" y="0"/>
+            <a:ext cx="6081998" cy="5260140"/>
+          </a:xfrm>
+          <a:prstGeom prst="rect">
+            <a:avLst/>
+          </a:prstGeom>
+          <a:ln>
+            <a:noFill/>
+          </a:ln>
+        </p:spPr>
+        <p:style>
+          <a:lnRef idx="1">
+            <a:schemeClr val="accent6"/>
+          </a:lnRef>
+          <a:fillRef idx="1001">
+            <a:schemeClr val="dk1"/>
+          </a:fillRef>
+          <a:effectRef idx="2">
+            <a:schemeClr val="accent6"/>
+          </a:effectRef>
+          <a:fontRef idx="minor">
+            <a:schemeClr val="lt1"/>
+          </a:fontRef>
+        </p:style>
+        <p:txBody>
+          <a:bodyPr rtlCol="0" anchor="ctr"/>
+          <a:lstStyle/>
+          <a:p>
+            <a:r>
+              <a:rPr lang="es-CO" sz="3200" dirty="0">
+                <a:solidFill>
+                  <a:schemeClr val="bg1"/>
+                </a:solidFill>
+                <a:latin typeface="Arial" panose="020B0604020202020204" pitchFamily="34" charset="0"/>
+                <a:cs typeface="Arial" panose="020B0604020202020204" pitchFamily="34" charset="0"/>
+              </a:rPr>
+              <a:t>Plazo:</a:t>
+            </a:r>
+          </a:p>
+          <a:p>
+            <a:r>
+              <a:rPr lang="es-CO" sz="3200" dirty="0" smtClean="0">
+                <a:solidFill>
+                  <a:schemeClr val="bg1"/>
+                </a:solidFill>
+                <a:latin typeface="Arial" panose="020B0604020202020204" pitchFamily="34" charset="0"/>
+                <a:cs typeface="Arial" panose="020B0604020202020204" pitchFamily="34" charset="0"/>
+              </a:rPr>
+              <a:t> 13 </a:t>
+            </a:r>
+            <a:r>
+              <a:rPr lang="es-CO" sz="3200" dirty="0">
+                <a:solidFill>
+                  <a:schemeClr val="bg1"/>
+                </a:solidFill>
+                <a:latin typeface="Arial" panose="020B0604020202020204" pitchFamily="34" charset="0"/>
+                <a:cs typeface="Arial" panose="020B0604020202020204" pitchFamily="34" charset="0"/>
+              </a:rPr>
+              <a:t>de febrero de 2019</a:t>
+            </a:r>
+          </a:p>
+          <a:p>
+            <a:endParaRPr lang="es-CO" sz="3200" dirty="0">
+              <a:solidFill>
+                <a:schemeClr val="bg1"/>
+              </a:solidFill>
+              <a:latin typeface="Arial" panose="020B0604020202020204" pitchFamily="34" charset="0"/>
+              <a:cs typeface="Arial" panose="020B0604020202020204" pitchFamily="34" charset="0"/>
+            </a:endParaRPr>
+          </a:p>
+          <a:p>
+            <a:r>
+              <a:rPr lang="es-CO" sz="3200" dirty="0">
+                <a:solidFill>
+                  <a:schemeClr val="bg1"/>
+                </a:solidFill>
+                <a:latin typeface="Arial" panose="020B0604020202020204" pitchFamily="34" charset="0"/>
+                <a:cs typeface="Arial" panose="020B0604020202020204" pitchFamily="34" charset="0"/>
+              </a:rPr>
+              <a:t>Enviar propuestas a:</a:t>
+            </a:r>
+          </a:p>
+          <a:p>
+            <a:r>
+              <a:rPr lang="es-CO" sz="3200" dirty="0" smtClean="0">
+                <a:solidFill>
+                  <a:schemeClr val="bg1"/>
+                </a:solidFill>
+                <a:latin typeface="Arial" panose="020B0604020202020204" pitchFamily="34" charset="0"/>
+                <a:cs typeface="Arial" panose="020B0604020202020204" pitchFamily="34" charset="0"/>
+              </a:rPr>
+              <a:t> rdaymedellin@gmail.com</a:t>
+            </a:r>
+            <a:endParaRPr lang="es-CO" sz="3200" dirty="0">
+              <a:solidFill>
+                <a:schemeClr val="bg1"/>
+              </a:solidFill>
+              <a:latin typeface="Arial" panose="020B0604020202020204" pitchFamily="34" charset="0"/>
+              <a:cs typeface="Arial" panose="020B0604020202020204" pitchFamily="34" charset="0"/>
+            </a:endParaRPr>
+          </a:p>
+          <a:p>
+            <a:endParaRPr lang="es-CO" sz="3200" dirty="0">
+              <a:solidFill>
+                <a:schemeClr val="bg1"/>
+              </a:solidFill>
+              <a:latin typeface="Arial" panose="020B0604020202020204" pitchFamily="34" charset="0"/>
+              <a:cs typeface="Arial" panose="020B0604020202020204" pitchFamily="34" charset="0"/>
+            </a:endParaRPr>
+          </a:p>
+          <a:p>
+            <a:r>
+              <a:rPr lang="es-CO" sz="3200" dirty="0">
+                <a:solidFill>
+                  <a:schemeClr val="bg1"/>
+                </a:solidFill>
+                <a:latin typeface="Arial" panose="020B0604020202020204" pitchFamily="34" charset="0"/>
+                <a:cs typeface="Arial" panose="020B0604020202020204" pitchFamily="34" charset="0"/>
+              </a:rPr>
+              <a:t>Más información:</a:t>
+            </a:r>
+          </a:p>
+          <a:p>
+            <a:r>
+              <a:rPr lang="es-CO" sz="3200" dirty="0" smtClean="0">
+                <a:solidFill>
+                  <a:schemeClr val="bg1"/>
+                </a:solidFill>
+                <a:latin typeface="Arial" panose="020B0604020202020204" pitchFamily="34" charset="0"/>
+                <a:cs typeface="Arial" panose="020B0604020202020204" pitchFamily="34" charset="0"/>
+              </a:rPr>
+              <a:t> h</a:t>
+            </a:r>
+            <a:r>
+              <a:rPr lang="en-AU" sz="3200" dirty="0" smtClean="0">
+                <a:solidFill>
+                  <a:schemeClr val="bg1"/>
+                </a:solidFill>
+                <a:latin typeface="Arial" panose="020B0604020202020204" pitchFamily="34" charset="0"/>
+                <a:cs typeface="Arial" panose="020B0604020202020204" pitchFamily="34" charset="0"/>
+              </a:rPr>
+              <a:t>ttps</a:t>
+            </a:r>
+            <a:r>
+              <a:rPr lang="en-AU" sz="3200" dirty="0">
+                <a:solidFill>
+                  <a:schemeClr val="bg1"/>
+                </a:solidFill>
+                <a:latin typeface="Arial" panose="020B0604020202020204" pitchFamily="34" charset="0"/>
+                <a:cs typeface="Arial" panose="020B0604020202020204" pitchFamily="34" charset="0"/>
+              </a:rPr>
+              <a:t>://rdaymedellin.github.io </a:t>
+            </a:r>
+            <a:endParaRPr lang="en-AU" sz="3200" dirty="0">
+              <a:solidFill>
+                <a:schemeClr val="bg1"/>
+              </a:solidFill>
+              <a:latin typeface="Arial" panose="020B0604020202020204" pitchFamily="34" charset="0"/>
+              <a:cs typeface="Arial" panose="020B0604020202020204" pitchFamily="34" charset="0"/>
+            </a:endParaRPr>
+          </a:p>
+        </p:txBody>
+      </p:sp>
+    </p:spTree>
+    <p:extLst>
+      <p:ext uri="{BB962C8B-B14F-4D97-AF65-F5344CB8AC3E}">
+        <p14:creationId xmlns:p14="http://schemas.microsoft.com/office/powerpoint/2010/main" val="2297285238"/>
+      </p:ext>
+    </p:extLst>
+  </p:cSld>
+  <p:clrMapOvr>
+    <a:masterClrMapping/>
+  </p:clrMapOvr>
+  <p:timing>
+    <p:tnLst>
+      <p:par>
+        <p:cTn id="1" dur="indefinite" restart="never" nodeType="tmRoot"/>
+      </p:par>
+    </p:tnLst>
+  </p:timing>
+</p:sld>
+</file>
+
+<file path=ppt/slides/slide6.xml><?xml version="1.0" encoding="utf-8"?>
+<p:sld xmlns:a="http://schemas.openxmlformats.org/drawingml/2006/main" xmlns:r="http://schemas.openxmlformats.org/officeDocument/2006/relationships" xmlns:p="http://schemas.openxmlformats.org/presentationml/2006/main" showMasterSp="0">
+  <p:cSld>
+    <p:spTree>
+      <p:nvGrpSpPr>
+        <p:cNvPr id="1" name=""/>
+        <p:cNvGrpSpPr/>
+        <p:nvPr/>
+      </p:nvGrpSpPr>
+      <p:grpSpPr>
+        <a:xfrm>
+          <a:off x="0" y="0"/>
+          <a:ext cx="0" cy="0"/>
+          <a:chOff x="0" y="0"/>
+          <a:chExt cx="0" cy="0"/>
+        </a:xfrm>
+      </p:grpSpPr>
+      <p:sp>
+        <p:nvSpPr>
+          <p:cNvPr id="12" name="Rectángulo 11"/>
+          <p:cNvSpPr/>
+          <p:nvPr/>
+        </p:nvSpPr>
+        <p:spPr>
+          <a:xfrm>
+            <a:off x="0" y="0"/>
+            <a:ext cx="6096000" cy="6869234"/>
+          </a:xfrm>
+          <a:prstGeom prst="rect">
+            <a:avLst/>
+          </a:prstGeom>
+          <a:gradFill flip="none" rotWithShape="1">
+            <a:gsLst>
+              <a:gs pos="0">
+                <a:schemeClr val="accent3">
+                  <a:lumMod val="0"/>
+                  <a:lumOff val="100000"/>
+                </a:schemeClr>
+              </a:gs>
+              <a:gs pos="35000">
+                <a:schemeClr val="accent3">
+                  <a:lumMod val="0"/>
+                  <a:lumOff val="100000"/>
+                </a:schemeClr>
+              </a:gs>
+              <a:gs pos="100000">
+                <a:schemeClr val="accent3">
+                  <a:lumMod val="100000"/>
+                </a:schemeClr>
+              </a:gs>
+            </a:gsLst>
+            <a:path path="circle">
+              <a:fillToRect l="50000" t="-80000" r="50000" b="180000"/>
+            </a:path>
+            <a:tileRect/>
+          </a:gradFill>
+        </p:spPr>
+        <p:style>
+          <a:lnRef idx="1">
+            <a:schemeClr val="accent3"/>
+          </a:lnRef>
+          <a:fillRef idx="2">
+            <a:schemeClr val="accent3"/>
+          </a:fillRef>
+          <a:effectRef idx="1">
+            <a:schemeClr val="accent3"/>
+          </a:effectRef>
+          <a:fontRef idx="minor">
+            <a:schemeClr val="dk1"/>
+          </a:fontRef>
+        </p:style>
+        <p:txBody>
+          <a:bodyPr rtlCol="0" anchor="ctr"/>
+          <a:lstStyle/>
+          <a:p>
+            <a:pPr algn="ctr"/>
+            <a:endParaRPr lang="en-AU"/>
+          </a:p>
+        </p:txBody>
+      </p:sp>
+      <p:sp>
+        <p:nvSpPr>
+          <p:cNvPr id="11" name="CuadroTexto 10"/>
+          <p:cNvSpPr txBox="1"/>
+          <p:nvPr/>
+        </p:nvSpPr>
+        <p:spPr>
+          <a:xfrm>
+            <a:off x="0" y="-60158"/>
+            <a:ext cx="6096000" cy="3970318"/>
+          </a:xfrm>
+          <a:prstGeom prst="rect">
+            <a:avLst/>
+          </a:prstGeom>
+          <a:noFill/>
+        </p:spPr>
+        <p:txBody>
+          <a:bodyPr wrap="square" rtlCol="0">
+            <a:spAutoFit/>
+          </a:bodyPr>
+          <a:lstStyle/>
+          <a:p>
+            <a:pPr algn="ctr"/>
+            <a:r>
+              <a:rPr lang="es-CO" sz="6000" dirty="0" smtClean="0"/>
+              <a:t>Concurso diseño de </a:t>
+            </a:r>
+            <a:r>
+              <a:rPr lang="es-CO" sz="7200" dirty="0" smtClean="0">
+                <a:solidFill>
+                  <a:srgbClr val="FF0066"/>
+                </a:solidFill>
+              </a:rPr>
+              <a:t>LOGOTIPO</a:t>
+            </a:r>
+            <a:r>
+              <a:rPr lang="es-CO" sz="6000" dirty="0" smtClean="0"/>
+              <a:t> </a:t>
+            </a:r>
+          </a:p>
+          <a:p>
+            <a:pPr algn="ctr"/>
+            <a:r>
+              <a:rPr lang="es-CO" sz="6000" dirty="0" smtClean="0"/>
+              <a:t>para el evento</a:t>
+            </a:r>
+          </a:p>
+          <a:p>
+            <a:pPr algn="ctr"/>
+            <a:r>
+              <a:rPr lang="es-CO" sz="5400" dirty="0" err="1" smtClean="0"/>
+              <a:t>Rdaymedellin</a:t>
+            </a:r>
+            <a:r>
+              <a:rPr lang="es-CO" sz="6000" dirty="0" smtClean="0"/>
+              <a:t> 2019</a:t>
+            </a:r>
+            <a:endParaRPr lang="en-AU" sz="6000" dirty="0"/>
+          </a:p>
+        </p:txBody>
+      </p:sp>
+      <p:pic>
+        <p:nvPicPr>
+          <p:cNvPr id="1032" name="Picture 8" descr="Resultado de imagen para lapices de colores"/>
+          <p:cNvPicPr>
+            <a:picLocks noChangeAspect="1" noChangeArrowheads="1"/>
+          </p:cNvPicPr>
+          <p:nvPr/>
+        </p:nvPicPr>
+        <p:blipFill rotWithShape="1">
+          <a:blip r:embed="rId2">
+            <a:extLst>
+              <a:ext uri="{28A0092B-C50C-407E-A947-70E740481C1C}">
+                <a14:useLocalDpi xmlns:a14="http://schemas.microsoft.com/office/drawing/2010/main" val="0"/>
+              </a:ext>
+            </a:extLst>
+          </a:blip>
+          <a:srcRect b="38872"/>
+          <a:stretch/>
+        </p:blipFill>
+        <p:spPr bwMode="auto">
+          <a:xfrm>
+            <a:off x="-602" y="4379489"/>
+            <a:ext cx="6110604" cy="2478511"/>
+          </a:xfrm>
+          <a:prstGeom prst="rect">
+            <a:avLst/>
+          </a:prstGeom>
+          <a:noFill/>
+          <a:extLst>
+            <a:ext uri="{909E8E84-426E-40DD-AFC4-6F175D3DCCD1}">
+              <a14:hiddenFill xmlns:a14="http://schemas.microsoft.com/office/drawing/2010/main">
+                <a:solidFill>
+                  <a:srgbClr val="FFFFFF"/>
+                </a:solidFill>
+              </a14:hiddenFill>
+            </a:ext>
+          </a:extLst>
+        </p:spPr>
+      </p:pic>
+      <p:pic>
+        <p:nvPicPr>
+          <p:cNvPr id="1034" name="Picture 10" descr="Resultado de imagen para logo unal"/>
+          <p:cNvPicPr>
+            <a:picLocks noChangeAspect="1" noChangeArrowheads="1"/>
+          </p:cNvPicPr>
+          <p:nvPr/>
+        </p:nvPicPr>
+        <p:blipFill>
+          <a:blip r:embed="rId3">
+            <a:extLst>
+              <a:ext uri="{28A0092B-C50C-407E-A947-70E740481C1C}">
+                <a14:useLocalDpi xmlns:a14="http://schemas.microsoft.com/office/drawing/2010/main" val="0"/>
+              </a:ext>
+            </a:extLst>
+          </a:blip>
+          <a:srcRect/>
+          <a:stretch>
+            <a:fillRect/>
+          </a:stretch>
+        </p:blipFill>
+        <p:spPr bwMode="auto">
+          <a:xfrm>
+            <a:off x="7133890" y="5473282"/>
+            <a:ext cx="2228850" cy="1171575"/>
+          </a:xfrm>
+          <a:prstGeom prst="rect">
+            <a:avLst/>
+          </a:prstGeom>
+          <a:noFill/>
+          <a:extLst>
+            <a:ext uri="{909E8E84-426E-40DD-AFC4-6F175D3DCCD1}">
+              <a14:hiddenFill xmlns:a14="http://schemas.microsoft.com/office/drawing/2010/main">
+                <a:solidFill>
+                  <a:srgbClr val="FFFFFF"/>
+                </a:solidFill>
+              </a14:hiddenFill>
+            </a:ext>
+          </a:extLst>
+        </p:spPr>
+      </p:pic>
+      <p:pic>
+        <p:nvPicPr>
+          <p:cNvPr id="1036" name="Picture 12" descr="Resultado de imagen para logo udea"/>
+          <p:cNvPicPr>
+            <a:picLocks noChangeAspect="1" noChangeArrowheads="1"/>
+          </p:cNvPicPr>
+          <p:nvPr/>
+        </p:nvPicPr>
+        <p:blipFill rotWithShape="1">
+          <a:blip r:embed="rId4" cstate="print">
+            <a:extLst>
+              <a:ext uri="{28A0092B-C50C-407E-A947-70E740481C1C}">
+                <a14:useLocalDpi xmlns:a14="http://schemas.microsoft.com/office/drawing/2010/main" val="0"/>
+              </a:ext>
+            </a:extLst>
+          </a:blip>
+          <a:srcRect b="15962"/>
+          <a:stretch/>
+        </p:blipFill>
+        <p:spPr bwMode="auto">
+          <a:xfrm>
+            <a:off x="9810167" y="5421396"/>
+            <a:ext cx="1056669" cy="1275347"/>
+          </a:xfrm>
+          <a:prstGeom prst="rect">
+            <a:avLst/>
+          </a:prstGeom>
+          <a:noFill/>
+          <a:extLst>
+            <a:ext uri="{909E8E84-426E-40DD-AFC4-6F175D3DCCD1}">
+              <a14:hiddenFill xmlns:a14="http://schemas.microsoft.com/office/drawing/2010/main">
+                <a:solidFill>
+                  <a:srgbClr val="FFFFFF"/>
+                </a:solidFill>
+              </a14:hiddenFill>
+            </a:ext>
+          </a:extLst>
+        </p:spPr>
+      </p:pic>
+      <p:sp>
+        <p:nvSpPr>
+          <p:cNvPr id="13" name="Rectángulo 12"/>
+          <p:cNvSpPr/>
+          <p:nvPr/>
+        </p:nvSpPr>
+        <p:spPr>
+          <a:xfrm>
+            <a:off x="6097970" y="0"/>
+            <a:ext cx="6081998" cy="5260140"/>
+          </a:xfrm>
+          <a:prstGeom prst="rect">
+            <a:avLst/>
+          </a:prstGeom>
+          <a:solidFill>
+            <a:schemeClr val="accent5">
+              <a:lumMod val="50000"/>
+            </a:schemeClr>
+          </a:solidFill>
+          <a:ln>
+            <a:noFill/>
+          </a:ln>
+        </p:spPr>
+        <p:style>
+          <a:lnRef idx="1">
+            <a:schemeClr val="accent6"/>
+          </a:lnRef>
+          <a:fillRef idx="1001">
+            <a:schemeClr val="dk1"/>
+          </a:fillRef>
+          <a:effectRef idx="2">
+            <a:schemeClr val="accent6"/>
+          </a:effectRef>
+          <a:fontRef idx="minor">
+            <a:schemeClr val="lt1"/>
+          </a:fontRef>
+        </p:style>
+        <p:txBody>
+          <a:bodyPr rtlCol="0" anchor="ctr"/>
+          <a:lstStyle/>
+          <a:p>
+            <a:r>
+              <a:rPr lang="es-CO" sz="3200" dirty="0">
+                <a:solidFill>
+                  <a:schemeClr val="bg1"/>
+                </a:solidFill>
+                <a:latin typeface="Arial" panose="020B0604020202020204" pitchFamily="34" charset="0"/>
+                <a:cs typeface="Arial" panose="020B0604020202020204" pitchFamily="34" charset="0"/>
+              </a:rPr>
+              <a:t>Plazo:</a:t>
+            </a:r>
+          </a:p>
+          <a:p>
+            <a:r>
+              <a:rPr lang="es-CO" sz="3200" dirty="0" smtClean="0">
+                <a:solidFill>
+                  <a:schemeClr val="bg1"/>
+                </a:solidFill>
+                <a:latin typeface="Arial" panose="020B0604020202020204" pitchFamily="34" charset="0"/>
+                <a:cs typeface="Arial" panose="020B0604020202020204" pitchFamily="34" charset="0"/>
+              </a:rPr>
+              <a:t> 13 </a:t>
+            </a:r>
+            <a:r>
+              <a:rPr lang="es-CO" sz="3200" dirty="0">
+                <a:solidFill>
+                  <a:schemeClr val="bg1"/>
+                </a:solidFill>
+                <a:latin typeface="Arial" panose="020B0604020202020204" pitchFamily="34" charset="0"/>
+                <a:cs typeface="Arial" panose="020B0604020202020204" pitchFamily="34" charset="0"/>
+              </a:rPr>
+              <a:t>de febrero de 2019</a:t>
+            </a:r>
+          </a:p>
+          <a:p>
+            <a:endParaRPr lang="es-CO" sz="3200" dirty="0">
+              <a:solidFill>
+                <a:schemeClr val="bg1"/>
+              </a:solidFill>
+              <a:latin typeface="Arial" panose="020B0604020202020204" pitchFamily="34" charset="0"/>
+              <a:cs typeface="Arial" panose="020B0604020202020204" pitchFamily="34" charset="0"/>
+            </a:endParaRPr>
+          </a:p>
+          <a:p>
+            <a:r>
+              <a:rPr lang="es-CO" sz="3200" dirty="0">
+                <a:solidFill>
+                  <a:schemeClr val="bg1"/>
+                </a:solidFill>
+                <a:latin typeface="Arial" panose="020B0604020202020204" pitchFamily="34" charset="0"/>
+                <a:cs typeface="Arial" panose="020B0604020202020204" pitchFamily="34" charset="0"/>
+              </a:rPr>
+              <a:t>Enviar propuestas a:</a:t>
+            </a:r>
+          </a:p>
+          <a:p>
+            <a:r>
+              <a:rPr lang="es-CO" sz="3200" dirty="0" smtClean="0">
+                <a:solidFill>
+                  <a:schemeClr val="bg1"/>
+                </a:solidFill>
+                <a:latin typeface="Arial" panose="020B0604020202020204" pitchFamily="34" charset="0"/>
+                <a:cs typeface="Arial" panose="020B0604020202020204" pitchFamily="34" charset="0"/>
+              </a:rPr>
+              <a:t> rdaymedellin@gmail.com</a:t>
+            </a:r>
+            <a:endParaRPr lang="es-CO" sz="3200" dirty="0">
+              <a:solidFill>
+                <a:schemeClr val="bg1"/>
+              </a:solidFill>
+              <a:latin typeface="Arial" panose="020B0604020202020204" pitchFamily="34" charset="0"/>
+              <a:cs typeface="Arial" panose="020B0604020202020204" pitchFamily="34" charset="0"/>
+            </a:endParaRPr>
+          </a:p>
+          <a:p>
+            <a:endParaRPr lang="es-CO" sz="3200" dirty="0">
+              <a:solidFill>
+                <a:schemeClr val="bg1"/>
+              </a:solidFill>
+              <a:latin typeface="Arial" panose="020B0604020202020204" pitchFamily="34" charset="0"/>
+              <a:cs typeface="Arial" panose="020B0604020202020204" pitchFamily="34" charset="0"/>
+            </a:endParaRPr>
+          </a:p>
+          <a:p>
+            <a:r>
+              <a:rPr lang="es-CO" sz="3200" dirty="0">
+                <a:solidFill>
+                  <a:schemeClr val="bg1"/>
+                </a:solidFill>
+                <a:latin typeface="Arial" panose="020B0604020202020204" pitchFamily="34" charset="0"/>
+                <a:cs typeface="Arial" panose="020B0604020202020204" pitchFamily="34" charset="0"/>
+              </a:rPr>
+              <a:t>Más información:</a:t>
+            </a:r>
+          </a:p>
+          <a:p>
+            <a:r>
+              <a:rPr lang="es-CO" sz="3200" dirty="0" smtClean="0">
+                <a:solidFill>
+                  <a:schemeClr val="bg1"/>
+                </a:solidFill>
+                <a:latin typeface="Arial" panose="020B0604020202020204" pitchFamily="34" charset="0"/>
+                <a:cs typeface="Arial" panose="020B0604020202020204" pitchFamily="34" charset="0"/>
+              </a:rPr>
+              <a:t> h</a:t>
+            </a:r>
+            <a:r>
+              <a:rPr lang="en-AU" sz="3200" dirty="0" smtClean="0">
+                <a:solidFill>
+                  <a:schemeClr val="bg1"/>
+                </a:solidFill>
+                <a:latin typeface="Arial" panose="020B0604020202020204" pitchFamily="34" charset="0"/>
+                <a:cs typeface="Arial" panose="020B0604020202020204" pitchFamily="34" charset="0"/>
+              </a:rPr>
+              <a:t>ttps</a:t>
+            </a:r>
+            <a:r>
+              <a:rPr lang="en-AU" sz="3200" dirty="0">
+                <a:solidFill>
+                  <a:schemeClr val="bg1"/>
+                </a:solidFill>
+                <a:latin typeface="Arial" panose="020B0604020202020204" pitchFamily="34" charset="0"/>
+                <a:cs typeface="Arial" panose="020B0604020202020204" pitchFamily="34" charset="0"/>
+              </a:rPr>
+              <a:t>://rdaymedellin.github.io </a:t>
+            </a:r>
+            <a:endParaRPr lang="en-AU" sz="3200" dirty="0">
+              <a:solidFill>
+                <a:schemeClr val="bg1"/>
+              </a:solidFill>
+              <a:latin typeface="Arial" panose="020B0604020202020204" pitchFamily="34" charset="0"/>
+              <a:cs typeface="Arial" panose="020B0604020202020204" pitchFamily="34" charset="0"/>
+            </a:endParaRPr>
+          </a:p>
+        </p:txBody>
+      </p:sp>
+    </p:spTree>
+    <p:extLst>
+      <p:ext uri="{BB962C8B-B14F-4D97-AF65-F5344CB8AC3E}">
+        <p14:creationId xmlns:p14="http://schemas.microsoft.com/office/powerpoint/2010/main" val="934411317"/>
+      </p:ext>
+    </p:extLst>
+  </p:cSld>
+  <p:clrMapOvr>
+    <a:masterClrMapping/>
+  </p:clrMapOvr>
+  <p:timing>
+    <p:tnLst>
+      <p:par>
+        <p:cTn id="1" dur="indefinite" restart="never" nodeType="tmRoot"/>
+      </p:par>
+    </p:tnLst>
+  </p:timing>
+</p:sld>
+</file>
+
+<file path=ppt/slides/slide7.xml><?xml version="1.0" encoding="utf-8"?>
+<p:sld xmlns:a="http://schemas.openxmlformats.org/drawingml/2006/main" xmlns:r="http://schemas.openxmlformats.org/officeDocument/2006/relationships" xmlns:p="http://schemas.openxmlformats.org/presentationml/2006/main" showMasterSp="0">
+  <p:cSld>
+    <p:spTree>
+      <p:nvGrpSpPr>
+        <p:cNvPr id="1" name=""/>
+        <p:cNvGrpSpPr/>
+        <p:nvPr/>
+      </p:nvGrpSpPr>
+      <p:grpSpPr>
+        <a:xfrm>
+          <a:off x="0" y="0"/>
+          <a:ext cx="0" cy="0"/>
+          <a:chOff x="0" y="0"/>
+          <a:chExt cx="0" cy="0"/>
+        </a:xfrm>
+      </p:grpSpPr>
+      <p:sp>
+        <p:nvSpPr>
+          <p:cNvPr id="12" name="Rectángulo 11"/>
+          <p:cNvSpPr/>
+          <p:nvPr/>
+        </p:nvSpPr>
+        <p:spPr>
+          <a:xfrm>
+            <a:off x="0" y="0"/>
+            <a:ext cx="6096000" cy="6869234"/>
+          </a:xfrm>
+          <a:prstGeom prst="rect">
+            <a:avLst/>
+          </a:prstGeom>
+          <a:gradFill flip="none" rotWithShape="1">
+            <a:gsLst>
+              <a:gs pos="0">
+                <a:schemeClr val="accent3">
+                  <a:lumMod val="0"/>
+                  <a:lumOff val="100000"/>
+                </a:schemeClr>
+              </a:gs>
+              <a:gs pos="35000">
+                <a:schemeClr val="accent3">
+                  <a:lumMod val="0"/>
+                  <a:lumOff val="100000"/>
+                </a:schemeClr>
+              </a:gs>
+              <a:gs pos="100000">
+                <a:schemeClr val="accent3">
+                  <a:lumMod val="100000"/>
+                </a:schemeClr>
+              </a:gs>
+            </a:gsLst>
+            <a:path path="circle">
+              <a:fillToRect l="50000" t="-80000" r="50000" b="180000"/>
+            </a:path>
+            <a:tileRect/>
+          </a:gradFill>
+        </p:spPr>
+        <p:style>
+          <a:lnRef idx="1">
+            <a:schemeClr val="accent3"/>
+          </a:lnRef>
+          <a:fillRef idx="2">
+            <a:schemeClr val="accent3"/>
+          </a:fillRef>
+          <a:effectRef idx="1">
+            <a:schemeClr val="accent3"/>
+          </a:effectRef>
+          <a:fontRef idx="minor">
+            <a:schemeClr val="dk1"/>
+          </a:fontRef>
+        </p:style>
+        <p:txBody>
+          <a:bodyPr rtlCol="0" anchor="ctr"/>
+          <a:lstStyle/>
+          <a:p>
+            <a:pPr algn="ctr"/>
+            <a:endParaRPr lang="en-AU"/>
+          </a:p>
+        </p:txBody>
+      </p:sp>
+      <p:sp>
+        <p:nvSpPr>
+          <p:cNvPr id="11" name="CuadroTexto 10"/>
+          <p:cNvSpPr txBox="1"/>
+          <p:nvPr/>
+        </p:nvSpPr>
+        <p:spPr>
+          <a:xfrm>
+            <a:off x="0" y="-60158"/>
+            <a:ext cx="6096000" cy="3970318"/>
+          </a:xfrm>
+          <a:prstGeom prst="rect">
+            <a:avLst/>
+          </a:prstGeom>
+          <a:noFill/>
+        </p:spPr>
+        <p:txBody>
+          <a:bodyPr wrap="square" rtlCol="0">
+            <a:spAutoFit/>
+          </a:bodyPr>
+          <a:lstStyle/>
+          <a:p>
+            <a:pPr algn="ctr"/>
+            <a:r>
+              <a:rPr lang="es-CO" sz="6000" dirty="0" smtClean="0"/>
+              <a:t>Concurso diseño de </a:t>
+            </a:r>
+            <a:r>
+              <a:rPr lang="es-CO" sz="7200" dirty="0" smtClean="0">
+                <a:solidFill>
+                  <a:srgbClr val="FF0066"/>
+                </a:solidFill>
+              </a:rPr>
+              <a:t>LOGOTIPO</a:t>
+            </a:r>
+            <a:r>
+              <a:rPr lang="es-CO" sz="6000" dirty="0" smtClean="0"/>
+              <a:t> </a:t>
+            </a:r>
+          </a:p>
+          <a:p>
+            <a:pPr algn="ctr"/>
+            <a:r>
+              <a:rPr lang="es-CO" sz="6000" dirty="0" smtClean="0"/>
+              <a:t>para el evento</a:t>
+            </a:r>
+          </a:p>
+          <a:p>
+            <a:pPr algn="ctr"/>
+            <a:r>
+              <a:rPr lang="es-CO" sz="5400" dirty="0" err="1" smtClean="0"/>
+              <a:t>Rdaymedellin</a:t>
+            </a:r>
+            <a:r>
+              <a:rPr lang="es-CO" sz="6000" dirty="0" smtClean="0"/>
+              <a:t> 2019</a:t>
+            </a:r>
+            <a:endParaRPr lang="en-AU" sz="6000" dirty="0"/>
+          </a:p>
+        </p:txBody>
+      </p:sp>
+      <p:pic>
+        <p:nvPicPr>
+          <p:cNvPr id="1034" name="Picture 10" descr="Resultado de imagen para logo unal"/>
+          <p:cNvPicPr>
+            <a:picLocks noChangeAspect="1" noChangeArrowheads="1"/>
+          </p:cNvPicPr>
+          <p:nvPr/>
+        </p:nvPicPr>
+        <p:blipFill>
+          <a:blip r:embed="rId2">
+            <a:extLst>
+              <a:ext uri="{28A0092B-C50C-407E-A947-70E740481C1C}">
+                <a14:useLocalDpi xmlns:a14="http://schemas.microsoft.com/office/drawing/2010/main" val="0"/>
+              </a:ext>
+            </a:extLst>
+          </a:blip>
+          <a:srcRect/>
+          <a:stretch>
+            <a:fillRect/>
+          </a:stretch>
+        </p:blipFill>
+        <p:spPr bwMode="auto">
+          <a:xfrm>
+            <a:off x="7133890" y="5473282"/>
+            <a:ext cx="2228850" cy="1171575"/>
+          </a:xfrm>
+          <a:prstGeom prst="rect">
+            <a:avLst/>
+          </a:prstGeom>
+          <a:noFill/>
+          <a:extLst>
+            <a:ext uri="{909E8E84-426E-40DD-AFC4-6F175D3DCCD1}">
+              <a14:hiddenFill xmlns:a14="http://schemas.microsoft.com/office/drawing/2010/main">
+                <a:solidFill>
+                  <a:srgbClr val="FFFFFF"/>
+                </a:solidFill>
+              </a14:hiddenFill>
+            </a:ext>
+          </a:extLst>
+        </p:spPr>
+      </p:pic>
+      <p:pic>
+        <p:nvPicPr>
+          <p:cNvPr id="1036" name="Picture 12" descr="Resultado de imagen para logo udea"/>
+          <p:cNvPicPr>
+            <a:picLocks noChangeAspect="1" noChangeArrowheads="1"/>
+          </p:cNvPicPr>
+          <p:nvPr/>
+        </p:nvPicPr>
+        <p:blipFill rotWithShape="1">
+          <a:blip r:embed="rId3" cstate="print">
+            <a:extLst>
+              <a:ext uri="{28A0092B-C50C-407E-A947-70E740481C1C}">
+                <a14:useLocalDpi xmlns:a14="http://schemas.microsoft.com/office/drawing/2010/main" val="0"/>
+              </a:ext>
+            </a:extLst>
+          </a:blip>
+          <a:srcRect b="15962"/>
+          <a:stretch/>
+        </p:blipFill>
+        <p:spPr bwMode="auto">
+          <a:xfrm>
+            <a:off x="9810167" y="5421396"/>
+            <a:ext cx="1056669" cy="1275347"/>
+          </a:xfrm>
+          <a:prstGeom prst="rect">
+            <a:avLst/>
+          </a:prstGeom>
+          <a:noFill/>
+          <a:extLst>
+            <a:ext uri="{909E8E84-426E-40DD-AFC4-6F175D3DCCD1}">
+              <a14:hiddenFill xmlns:a14="http://schemas.microsoft.com/office/drawing/2010/main">
+                <a:solidFill>
+                  <a:srgbClr val="FFFFFF"/>
+                </a:solidFill>
+              </a14:hiddenFill>
+            </a:ext>
+          </a:extLst>
+        </p:spPr>
+      </p:pic>
+      <p:sp>
+        <p:nvSpPr>
+          <p:cNvPr id="13" name="Rectángulo 12"/>
+          <p:cNvSpPr/>
+          <p:nvPr/>
+        </p:nvSpPr>
+        <p:spPr>
+          <a:xfrm>
+            <a:off x="6097970" y="0"/>
+            <a:ext cx="6081998" cy="5260140"/>
+          </a:xfrm>
+          <a:prstGeom prst="rect">
+            <a:avLst/>
+          </a:prstGeom>
+          <a:solidFill>
+            <a:schemeClr val="tx1"/>
+          </a:solidFill>
+          <a:ln>
+            <a:noFill/>
+          </a:ln>
+        </p:spPr>
+        <p:style>
+          <a:lnRef idx="1">
+            <a:schemeClr val="accent6"/>
+          </a:lnRef>
+          <a:fillRef idx="1001">
+            <a:schemeClr val="dk1"/>
+          </a:fillRef>
+          <a:effectRef idx="2">
+            <a:schemeClr val="accent6"/>
+          </a:effectRef>
+          <a:fontRef idx="minor">
+            <a:schemeClr val="lt1"/>
+          </a:fontRef>
+        </p:style>
+        <p:txBody>
+          <a:bodyPr rtlCol="0" anchor="ctr"/>
+          <a:lstStyle/>
+          <a:p>
+            <a:r>
+              <a:rPr lang="es-CO" sz="3200" dirty="0">
+                <a:solidFill>
+                  <a:schemeClr val="bg1"/>
+                </a:solidFill>
+                <a:latin typeface="Arial" panose="020B0604020202020204" pitchFamily="34" charset="0"/>
+                <a:cs typeface="Arial" panose="020B0604020202020204" pitchFamily="34" charset="0"/>
+              </a:rPr>
+              <a:t>Plazo:</a:t>
+            </a:r>
+          </a:p>
+          <a:p>
+            <a:r>
+              <a:rPr lang="es-CO" sz="3200" dirty="0" smtClean="0">
+                <a:solidFill>
+                  <a:schemeClr val="bg1"/>
+                </a:solidFill>
+                <a:latin typeface="Arial" panose="020B0604020202020204" pitchFamily="34" charset="0"/>
+                <a:cs typeface="Arial" panose="020B0604020202020204" pitchFamily="34" charset="0"/>
+              </a:rPr>
+              <a:t> 13 </a:t>
+            </a:r>
+            <a:r>
+              <a:rPr lang="es-CO" sz="3200" dirty="0">
+                <a:solidFill>
+                  <a:schemeClr val="bg1"/>
+                </a:solidFill>
+                <a:latin typeface="Arial" panose="020B0604020202020204" pitchFamily="34" charset="0"/>
+                <a:cs typeface="Arial" panose="020B0604020202020204" pitchFamily="34" charset="0"/>
+              </a:rPr>
+              <a:t>de febrero de 2019</a:t>
+            </a:r>
+          </a:p>
+          <a:p>
+            <a:endParaRPr lang="es-CO" sz="3200" dirty="0">
+              <a:solidFill>
+                <a:schemeClr val="bg1"/>
+              </a:solidFill>
+              <a:latin typeface="Arial" panose="020B0604020202020204" pitchFamily="34" charset="0"/>
+              <a:cs typeface="Arial" panose="020B0604020202020204" pitchFamily="34" charset="0"/>
+            </a:endParaRPr>
+          </a:p>
+          <a:p>
+            <a:r>
+              <a:rPr lang="es-CO" sz="3200" dirty="0">
+                <a:solidFill>
+                  <a:schemeClr val="bg1"/>
+                </a:solidFill>
+                <a:latin typeface="Arial" panose="020B0604020202020204" pitchFamily="34" charset="0"/>
+                <a:cs typeface="Arial" panose="020B0604020202020204" pitchFamily="34" charset="0"/>
+              </a:rPr>
+              <a:t>Enviar propuestas a:</a:t>
+            </a:r>
+          </a:p>
+          <a:p>
+            <a:r>
+              <a:rPr lang="es-CO" sz="3200" dirty="0" smtClean="0">
+                <a:solidFill>
+                  <a:schemeClr val="bg1"/>
+                </a:solidFill>
+                <a:latin typeface="Arial" panose="020B0604020202020204" pitchFamily="34" charset="0"/>
+                <a:cs typeface="Arial" panose="020B0604020202020204" pitchFamily="34" charset="0"/>
+              </a:rPr>
+              <a:t> rdaymedellin@gmail.com</a:t>
+            </a:r>
+            <a:endParaRPr lang="es-CO" sz="3200" dirty="0">
+              <a:solidFill>
+                <a:schemeClr val="bg1"/>
+              </a:solidFill>
+              <a:latin typeface="Arial" panose="020B0604020202020204" pitchFamily="34" charset="0"/>
+              <a:cs typeface="Arial" panose="020B0604020202020204" pitchFamily="34" charset="0"/>
+            </a:endParaRPr>
+          </a:p>
+          <a:p>
+            <a:endParaRPr lang="es-CO" sz="3200" dirty="0">
+              <a:solidFill>
+                <a:schemeClr val="bg1"/>
+              </a:solidFill>
+              <a:latin typeface="Arial" panose="020B0604020202020204" pitchFamily="34" charset="0"/>
+              <a:cs typeface="Arial" panose="020B0604020202020204" pitchFamily="34" charset="0"/>
+            </a:endParaRPr>
+          </a:p>
+          <a:p>
+            <a:r>
+              <a:rPr lang="es-CO" sz="3200" dirty="0">
+                <a:solidFill>
+                  <a:schemeClr val="bg1"/>
+                </a:solidFill>
+                <a:latin typeface="Arial" panose="020B0604020202020204" pitchFamily="34" charset="0"/>
+                <a:cs typeface="Arial" panose="020B0604020202020204" pitchFamily="34" charset="0"/>
+              </a:rPr>
+              <a:t>Más información:</a:t>
+            </a:r>
+          </a:p>
+          <a:p>
+            <a:r>
+              <a:rPr lang="es-CO" sz="3200" dirty="0" smtClean="0">
+                <a:solidFill>
+                  <a:schemeClr val="bg1"/>
+                </a:solidFill>
+                <a:latin typeface="Arial" panose="020B0604020202020204" pitchFamily="34" charset="0"/>
+                <a:cs typeface="Arial" panose="020B0604020202020204" pitchFamily="34" charset="0"/>
+              </a:rPr>
+              <a:t> h</a:t>
+            </a:r>
+            <a:r>
+              <a:rPr lang="en-AU" sz="3200" dirty="0" smtClean="0">
+                <a:solidFill>
+                  <a:schemeClr val="bg1"/>
+                </a:solidFill>
+                <a:latin typeface="Arial" panose="020B0604020202020204" pitchFamily="34" charset="0"/>
+                <a:cs typeface="Arial" panose="020B0604020202020204" pitchFamily="34" charset="0"/>
+              </a:rPr>
+              <a:t>ttps</a:t>
+            </a:r>
+            <a:r>
+              <a:rPr lang="en-AU" sz="3200" dirty="0">
+                <a:solidFill>
+                  <a:schemeClr val="bg1"/>
+                </a:solidFill>
+                <a:latin typeface="Arial" panose="020B0604020202020204" pitchFamily="34" charset="0"/>
+                <a:cs typeface="Arial" panose="020B0604020202020204" pitchFamily="34" charset="0"/>
+              </a:rPr>
+              <a:t>://rdaymedellin.github.io </a:t>
+            </a:r>
+            <a:endParaRPr lang="en-AU" sz="3200" dirty="0">
+              <a:solidFill>
+                <a:schemeClr val="bg1"/>
+              </a:solidFill>
+              <a:latin typeface="Arial" panose="020B0604020202020204" pitchFamily="34" charset="0"/>
+              <a:cs typeface="Arial" panose="020B0604020202020204" pitchFamily="34" charset="0"/>
+            </a:endParaRPr>
+          </a:p>
+        </p:txBody>
+      </p:sp>
+      <p:pic>
+        <p:nvPicPr>
+          <p:cNvPr id="4" name="Imagen 3"/>
+          <p:cNvPicPr>
+            <a:picLocks noChangeAspect="1"/>
+          </p:cNvPicPr>
+          <p:nvPr/>
+        </p:nvPicPr>
+        <p:blipFill rotWithShape="1">
+          <a:blip r:embed="rId4">
+            <a:extLst>
+              <a:ext uri="{28A0092B-C50C-407E-A947-70E740481C1C}">
+                <a14:useLocalDpi xmlns:a14="http://schemas.microsoft.com/office/drawing/2010/main" val="0"/>
+              </a:ext>
+            </a:extLst>
+          </a:blip>
+          <a:srcRect l="4646" r="4225"/>
+          <a:stretch/>
+        </p:blipFill>
+        <p:spPr>
+          <a:xfrm>
+            <a:off x="24063" y="4202234"/>
+            <a:ext cx="6075948" cy="2667000"/>
+          </a:xfrm>
+          <a:prstGeom prst="rect">
+            <a:avLst/>
+          </a:prstGeom>
+        </p:spPr>
+      </p:pic>
+    </p:spTree>
+    <p:extLst>
+      <p:ext uri="{BB962C8B-B14F-4D97-AF65-F5344CB8AC3E}">
+        <p14:creationId xmlns:p14="http://schemas.microsoft.com/office/powerpoint/2010/main" val="2497475795"/>
+      </p:ext>
+    </p:extLst>
+  </p:cSld>
+  <p:clrMapOvr>
+    <a:masterClrMapping/>
+  </p:clrMapOvr>
+  <p:timing>
+    <p:tnLst>
+      <p:par>
+        <p:cTn id="1" dur="indefinite" restart="never" nodeType="tmRoot"/>
+      </p:par>
+    </p:tnLst>
+  </p:timing>
+</p:sld>
+</file>
+
+<file path=ppt/slides/slide8.xml><?xml version="1.0" encoding="utf-8"?>
+<p:sld xmlns:a="http://schemas.openxmlformats.org/drawingml/2006/main" xmlns:r="http://schemas.openxmlformats.org/officeDocument/2006/relationships" xmlns:p="http://schemas.openxmlformats.org/presentationml/2006/main" showMasterSp="0">
+  <p:cSld>
+    <p:spTree>
+      <p:nvGrpSpPr>
+        <p:cNvPr id="1" name=""/>
+        <p:cNvGrpSpPr/>
+        <p:nvPr/>
+      </p:nvGrpSpPr>
+      <p:grpSpPr>
+        <a:xfrm>
+          <a:off x="0" y="0"/>
+          <a:ext cx="0" cy="0"/>
+          <a:chOff x="0" y="0"/>
+          <a:chExt cx="0" cy="0"/>
+        </a:xfrm>
+      </p:grpSpPr>
+      <p:sp>
+        <p:nvSpPr>
+          <p:cNvPr id="12" name="Rectángulo 11"/>
+          <p:cNvSpPr/>
+          <p:nvPr/>
+        </p:nvSpPr>
+        <p:spPr>
+          <a:xfrm>
+            <a:off x="0" y="0"/>
+            <a:ext cx="6096000" cy="6869234"/>
+          </a:xfrm>
+          <a:prstGeom prst="rect">
+            <a:avLst/>
+          </a:prstGeom>
+          <a:gradFill flip="none" rotWithShape="1">
+            <a:gsLst>
+              <a:gs pos="0">
+                <a:schemeClr val="accent3">
+                  <a:lumMod val="0"/>
+                  <a:lumOff val="100000"/>
+                </a:schemeClr>
+              </a:gs>
+              <a:gs pos="35000">
+                <a:schemeClr val="accent3">
+                  <a:lumMod val="0"/>
+                  <a:lumOff val="100000"/>
+                </a:schemeClr>
+              </a:gs>
+              <a:gs pos="100000">
+                <a:schemeClr val="accent3">
+                  <a:lumMod val="100000"/>
+                </a:schemeClr>
+              </a:gs>
+            </a:gsLst>
+            <a:path path="circle">
+              <a:fillToRect l="50000" t="-80000" r="50000" b="180000"/>
+            </a:path>
+            <a:tileRect/>
+          </a:gradFill>
+        </p:spPr>
+        <p:style>
+          <a:lnRef idx="1">
+            <a:schemeClr val="accent3"/>
+          </a:lnRef>
+          <a:fillRef idx="2">
+            <a:schemeClr val="accent3"/>
+          </a:fillRef>
+          <a:effectRef idx="1">
+            <a:schemeClr val="accent3"/>
+          </a:effectRef>
+          <a:fontRef idx="minor">
+            <a:schemeClr val="dk1"/>
+          </a:fontRef>
+        </p:style>
+        <p:txBody>
+          <a:bodyPr rtlCol="0" anchor="ctr"/>
+          <a:lstStyle/>
+          <a:p>
+            <a:pPr algn="ctr"/>
+            <a:endParaRPr lang="en-AU"/>
+          </a:p>
+        </p:txBody>
+      </p:sp>
+      <p:sp>
+        <p:nvSpPr>
+          <p:cNvPr id="11" name="CuadroTexto 10"/>
+          <p:cNvSpPr txBox="1"/>
+          <p:nvPr/>
+        </p:nvSpPr>
+        <p:spPr>
+          <a:xfrm>
+            <a:off x="0" y="-60158"/>
+            <a:ext cx="6096000" cy="3970318"/>
+          </a:xfrm>
+          <a:prstGeom prst="rect">
+            <a:avLst/>
+          </a:prstGeom>
+          <a:noFill/>
+        </p:spPr>
+        <p:txBody>
+          <a:bodyPr wrap="square" rtlCol="0">
+            <a:spAutoFit/>
+          </a:bodyPr>
+          <a:lstStyle/>
+          <a:p>
+            <a:pPr algn="ctr"/>
+            <a:r>
+              <a:rPr lang="es-CO" sz="6000" dirty="0" smtClean="0"/>
+              <a:t>Concurso diseño de </a:t>
+            </a:r>
+            <a:r>
+              <a:rPr lang="es-CO" sz="7200" dirty="0" smtClean="0">
+                <a:solidFill>
+                  <a:srgbClr val="FF0066"/>
+                </a:solidFill>
+              </a:rPr>
+              <a:t>LOGOTIPO</a:t>
+            </a:r>
+            <a:r>
+              <a:rPr lang="es-CO" sz="6000" dirty="0" smtClean="0"/>
+              <a:t> </a:t>
+            </a:r>
+          </a:p>
+          <a:p>
+            <a:pPr algn="ctr"/>
+            <a:r>
+              <a:rPr lang="es-CO" sz="6000" dirty="0" smtClean="0"/>
+              <a:t>para el evento</a:t>
+            </a:r>
+          </a:p>
+          <a:p>
+            <a:pPr algn="ctr"/>
+            <a:r>
+              <a:rPr lang="es-CO" sz="5400" dirty="0" err="1" smtClean="0"/>
+              <a:t>Rdaymedellin</a:t>
+            </a:r>
+            <a:r>
+              <a:rPr lang="es-CO" sz="6000" dirty="0" smtClean="0"/>
+              <a:t> 2019</a:t>
+            </a:r>
+            <a:endParaRPr lang="en-AU" sz="6000" dirty="0"/>
+          </a:p>
+        </p:txBody>
+      </p:sp>
+      <p:pic>
+        <p:nvPicPr>
+          <p:cNvPr id="1034" name="Picture 10" descr="Resultado de imagen para logo unal"/>
+          <p:cNvPicPr>
+            <a:picLocks noChangeAspect="1" noChangeArrowheads="1"/>
+          </p:cNvPicPr>
+          <p:nvPr/>
+        </p:nvPicPr>
+        <p:blipFill>
+          <a:blip r:embed="rId2">
+            <a:extLst>
+              <a:ext uri="{28A0092B-C50C-407E-A947-70E740481C1C}">
+                <a14:useLocalDpi xmlns:a14="http://schemas.microsoft.com/office/drawing/2010/main" val="0"/>
+              </a:ext>
+            </a:extLst>
+          </a:blip>
+          <a:srcRect/>
+          <a:stretch>
+            <a:fillRect/>
+          </a:stretch>
+        </p:blipFill>
+        <p:spPr bwMode="auto">
+          <a:xfrm>
+            <a:off x="7133890" y="5473282"/>
+            <a:ext cx="2228850" cy="1171575"/>
+          </a:xfrm>
+          <a:prstGeom prst="rect">
+            <a:avLst/>
+          </a:prstGeom>
+          <a:noFill/>
+          <a:extLst>
+            <a:ext uri="{909E8E84-426E-40DD-AFC4-6F175D3DCCD1}">
+              <a14:hiddenFill xmlns:a14="http://schemas.microsoft.com/office/drawing/2010/main">
+                <a:solidFill>
+                  <a:srgbClr val="FFFFFF"/>
+                </a:solidFill>
+              </a14:hiddenFill>
+            </a:ext>
+          </a:extLst>
+        </p:spPr>
+      </p:pic>
+      <p:pic>
+        <p:nvPicPr>
+          <p:cNvPr id="1036" name="Picture 12" descr="Resultado de imagen para logo udea"/>
+          <p:cNvPicPr>
+            <a:picLocks noChangeAspect="1" noChangeArrowheads="1"/>
+          </p:cNvPicPr>
+          <p:nvPr/>
+        </p:nvPicPr>
+        <p:blipFill rotWithShape="1">
+          <a:blip r:embed="rId3" cstate="print">
+            <a:extLst>
+              <a:ext uri="{28A0092B-C50C-407E-A947-70E740481C1C}">
+                <a14:useLocalDpi xmlns:a14="http://schemas.microsoft.com/office/drawing/2010/main" val="0"/>
+              </a:ext>
+            </a:extLst>
+          </a:blip>
+          <a:srcRect b="15962"/>
+          <a:stretch/>
+        </p:blipFill>
+        <p:spPr bwMode="auto">
+          <a:xfrm>
+            <a:off x="9810167" y="5421396"/>
+            <a:ext cx="1056669" cy="1275347"/>
+          </a:xfrm>
+          <a:prstGeom prst="rect">
+            <a:avLst/>
+          </a:prstGeom>
+          <a:noFill/>
+          <a:extLst>
+            <a:ext uri="{909E8E84-426E-40DD-AFC4-6F175D3DCCD1}">
+              <a14:hiddenFill xmlns:a14="http://schemas.microsoft.com/office/drawing/2010/main">
+                <a:solidFill>
+                  <a:srgbClr val="FFFFFF"/>
+                </a:solidFill>
+              </a14:hiddenFill>
+            </a:ext>
+          </a:extLst>
+        </p:spPr>
+      </p:pic>
+      <p:sp>
+        <p:nvSpPr>
+          <p:cNvPr id="13" name="Rectángulo 12"/>
+          <p:cNvSpPr/>
+          <p:nvPr/>
+        </p:nvSpPr>
+        <p:spPr>
+          <a:xfrm>
+            <a:off x="6097970" y="0"/>
+            <a:ext cx="6081998" cy="5260140"/>
+          </a:xfrm>
+          <a:prstGeom prst="rect">
+            <a:avLst/>
+          </a:prstGeom>
+          <a:solidFill>
+            <a:schemeClr val="tx1"/>
+          </a:solidFill>
+          <a:ln>
+            <a:noFill/>
+          </a:ln>
+        </p:spPr>
+        <p:style>
+          <a:lnRef idx="1">
+            <a:schemeClr val="accent6"/>
+          </a:lnRef>
+          <a:fillRef idx="1001">
+            <a:schemeClr val="dk1"/>
+          </a:fillRef>
+          <a:effectRef idx="2">
+            <a:schemeClr val="accent6"/>
+          </a:effectRef>
+          <a:fontRef idx="minor">
+            <a:schemeClr val="lt1"/>
+          </a:fontRef>
+        </p:style>
+        <p:txBody>
+          <a:bodyPr rtlCol="0" anchor="ctr"/>
+          <a:lstStyle/>
+          <a:p>
+            <a:r>
+              <a:rPr lang="es-CO" sz="3200" dirty="0">
+                <a:solidFill>
+                  <a:schemeClr val="bg1"/>
+                </a:solidFill>
+                <a:latin typeface="Arial" panose="020B0604020202020204" pitchFamily="34" charset="0"/>
+                <a:cs typeface="Arial" panose="020B0604020202020204" pitchFamily="34" charset="0"/>
+              </a:rPr>
+              <a:t>Plazo:</a:t>
+            </a:r>
+          </a:p>
+          <a:p>
+            <a:r>
+              <a:rPr lang="es-CO" sz="3200" dirty="0" smtClean="0">
+                <a:solidFill>
+                  <a:schemeClr val="bg1"/>
+                </a:solidFill>
+                <a:latin typeface="Arial" panose="020B0604020202020204" pitchFamily="34" charset="0"/>
+                <a:cs typeface="Arial" panose="020B0604020202020204" pitchFamily="34" charset="0"/>
+              </a:rPr>
+              <a:t> 13 </a:t>
+            </a:r>
+            <a:r>
+              <a:rPr lang="es-CO" sz="3200" dirty="0">
+                <a:solidFill>
+                  <a:schemeClr val="bg1"/>
+                </a:solidFill>
+                <a:latin typeface="Arial" panose="020B0604020202020204" pitchFamily="34" charset="0"/>
+                <a:cs typeface="Arial" panose="020B0604020202020204" pitchFamily="34" charset="0"/>
+              </a:rPr>
+              <a:t>de febrero de 2019</a:t>
+            </a:r>
+          </a:p>
+          <a:p>
+            <a:endParaRPr lang="es-CO" sz="3200" dirty="0">
+              <a:solidFill>
+                <a:schemeClr val="bg1"/>
+              </a:solidFill>
+              <a:latin typeface="Arial" panose="020B0604020202020204" pitchFamily="34" charset="0"/>
+              <a:cs typeface="Arial" panose="020B0604020202020204" pitchFamily="34" charset="0"/>
+            </a:endParaRPr>
+          </a:p>
+          <a:p>
+            <a:r>
+              <a:rPr lang="es-CO" sz="3200" dirty="0">
+                <a:solidFill>
+                  <a:schemeClr val="bg1"/>
+                </a:solidFill>
+                <a:latin typeface="Arial" panose="020B0604020202020204" pitchFamily="34" charset="0"/>
+                <a:cs typeface="Arial" panose="020B0604020202020204" pitchFamily="34" charset="0"/>
+              </a:rPr>
+              <a:t>Enviar propuestas a:</a:t>
+            </a:r>
+          </a:p>
+          <a:p>
+            <a:r>
+              <a:rPr lang="es-CO" sz="3200" dirty="0" smtClean="0">
+                <a:solidFill>
+                  <a:schemeClr val="bg1"/>
+                </a:solidFill>
+                <a:latin typeface="Arial" panose="020B0604020202020204" pitchFamily="34" charset="0"/>
+                <a:cs typeface="Arial" panose="020B0604020202020204" pitchFamily="34" charset="0"/>
+              </a:rPr>
+              <a:t> rdaymedellin@gmail.com</a:t>
+            </a:r>
+            <a:endParaRPr lang="es-CO" sz="3200" dirty="0">
+              <a:solidFill>
+                <a:schemeClr val="bg1"/>
+              </a:solidFill>
+              <a:latin typeface="Arial" panose="020B0604020202020204" pitchFamily="34" charset="0"/>
+              <a:cs typeface="Arial" panose="020B0604020202020204" pitchFamily="34" charset="0"/>
+            </a:endParaRPr>
+          </a:p>
+          <a:p>
+            <a:endParaRPr lang="es-CO" sz="3200" dirty="0">
+              <a:solidFill>
+                <a:schemeClr val="bg1"/>
+              </a:solidFill>
+              <a:latin typeface="Arial" panose="020B0604020202020204" pitchFamily="34" charset="0"/>
+              <a:cs typeface="Arial" panose="020B0604020202020204" pitchFamily="34" charset="0"/>
+            </a:endParaRPr>
+          </a:p>
+          <a:p>
+            <a:r>
+              <a:rPr lang="es-CO" sz="3200" dirty="0">
+                <a:solidFill>
+                  <a:schemeClr val="bg1"/>
+                </a:solidFill>
+                <a:latin typeface="Arial" panose="020B0604020202020204" pitchFamily="34" charset="0"/>
+                <a:cs typeface="Arial" panose="020B0604020202020204" pitchFamily="34" charset="0"/>
+              </a:rPr>
+              <a:t>Más información:</a:t>
+            </a:r>
+          </a:p>
+          <a:p>
+            <a:r>
+              <a:rPr lang="es-CO" sz="3200" dirty="0" smtClean="0">
+                <a:solidFill>
+                  <a:schemeClr val="bg1"/>
+                </a:solidFill>
+                <a:latin typeface="Arial" panose="020B0604020202020204" pitchFamily="34" charset="0"/>
+                <a:cs typeface="Arial" panose="020B0604020202020204" pitchFamily="34" charset="0"/>
+              </a:rPr>
+              <a:t> h</a:t>
+            </a:r>
+            <a:r>
+              <a:rPr lang="en-AU" sz="3200" dirty="0" smtClean="0">
+                <a:solidFill>
+                  <a:schemeClr val="bg1"/>
+                </a:solidFill>
+                <a:latin typeface="Arial" panose="020B0604020202020204" pitchFamily="34" charset="0"/>
+                <a:cs typeface="Arial" panose="020B0604020202020204" pitchFamily="34" charset="0"/>
+              </a:rPr>
+              <a:t>ttps</a:t>
+            </a:r>
+            <a:r>
+              <a:rPr lang="en-AU" sz="3200" dirty="0">
+                <a:solidFill>
+                  <a:schemeClr val="bg1"/>
+                </a:solidFill>
+                <a:latin typeface="Arial" panose="020B0604020202020204" pitchFamily="34" charset="0"/>
+                <a:cs typeface="Arial" panose="020B0604020202020204" pitchFamily="34" charset="0"/>
+              </a:rPr>
+              <a:t>://rdaymedellin.github.io </a:t>
+            </a:r>
+            <a:endParaRPr lang="en-AU" sz="3200" dirty="0">
+              <a:solidFill>
+                <a:schemeClr val="bg1"/>
+              </a:solidFill>
+              <a:latin typeface="Arial" panose="020B0604020202020204" pitchFamily="34" charset="0"/>
+              <a:cs typeface="Arial" panose="020B0604020202020204" pitchFamily="34" charset="0"/>
+            </a:endParaRPr>
+          </a:p>
+        </p:txBody>
+      </p:sp>
+      <p:pic>
+        <p:nvPicPr>
+          <p:cNvPr id="2" name="Imagen 1"/>
+          <p:cNvPicPr>
+            <a:picLocks noChangeAspect="1"/>
+          </p:cNvPicPr>
+          <p:nvPr/>
+        </p:nvPicPr>
+        <p:blipFill rotWithShape="1">
+          <a:blip r:embed="rId4">
+            <a:extLst>
+              <a:ext uri="{28A0092B-C50C-407E-A947-70E740481C1C}">
+                <a14:useLocalDpi xmlns:a14="http://schemas.microsoft.com/office/drawing/2010/main" val="0"/>
+              </a:ext>
+            </a:extLst>
+          </a:blip>
+          <a:srcRect t="17508"/>
+          <a:stretch/>
+        </p:blipFill>
+        <p:spPr>
+          <a:xfrm>
+            <a:off x="1" y="3838074"/>
+            <a:ext cx="6096000" cy="3031160"/>
+          </a:xfrm>
+          <a:prstGeom prst="rect">
+            <a:avLst/>
+          </a:prstGeom>
+          <a:effectLst>
+            <a:reflection blurRad="749300" stA="83000" endPos="18000" dist="50800" dir="5400000" sy="-100000" algn="bl" rotWithShape="0"/>
+          </a:effectLst>
+        </p:spPr>
+      </p:pic>
+    </p:spTree>
+    <p:extLst>
+      <p:ext uri="{BB962C8B-B14F-4D97-AF65-F5344CB8AC3E}">
+        <p14:creationId xmlns:p14="http://schemas.microsoft.com/office/powerpoint/2010/main" val="4249931947"/>
+      </p:ext>
+    </p:extLst>
+  </p:cSld>
+  <p:clrMapOvr>
+    <a:masterClrMapping/>
+  </p:clrMapOvr>
+  <p:timing>
+    <p:tnLst>
+      <p:par>
+        <p:cTn id="1" dur="indefinite" restart="never" nodeType="tmRoot"/>
+      </p:par>
+    </p:tnLst>
+  </p:timing>
+</p:sld>
+</file>
+
+<file path=ppt/slides/slide9.xml><?xml version="1.0" encoding="utf-8"?>
+<p:sld xmlns:a="http://schemas.openxmlformats.org/drawingml/2006/main" xmlns:r="http://schemas.openxmlformats.org/officeDocument/2006/relationships" xmlns:p="http://schemas.openxmlformats.org/presentationml/2006/main" showMasterSp="0">
+  <p:cSld>
+    <p:spTree>
+      <p:nvGrpSpPr>
+        <p:cNvPr id="1" name=""/>
+        <p:cNvGrpSpPr/>
+        <p:nvPr/>
+      </p:nvGrpSpPr>
+      <p:grpSpPr>
+        <a:xfrm>
+          <a:off x="0" y="0"/>
+          <a:ext cx="0" cy="0"/>
+          <a:chOff x="0" y="0"/>
+          <a:chExt cx="0" cy="0"/>
+        </a:xfrm>
+      </p:grpSpPr>
+      <p:sp>
+        <p:nvSpPr>
+          <p:cNvPr id="12" name="Rectángulo 11"/>
+          <p:cNvSpPr/>
+          <p:nvPr/>
+        </p:nvSpPr>
+        <p:spPr>
+          <a:xfrm>
+            <a:off x="0" y="0"/>
+            <a:ext cx="6096000" cy="6869234"/>
+          </a:xfrm>
+          <a:prstGeom prst="rect">
+            <a:avLst/>
+          </a:prstGeom>
+          <a:gradFill flip="none" rotWithShape="1">
+            <a:gsLst>
+              <a:gs pos="0">
+                <a:schemeClr val="accent3">
+                  <a:lumMod val="0"/>
+                  <a:lumOff val="100000"/>
+                </a:schemeClr>
+              </a:gs>
+              <a:gs pos="35000">
+                <a:schemeClr val="accent3">
+                  <a:lumMod val="0"/>
+                  <a:lumOff val="100000"/>
+                </a:schemeClr>
+              </a:gs>
+              <a:gs pos="100000">
+                <a:schemeClr val="accent3">
+                  <a:lumMod val="100000"/>
+                </a:schemeClr>
+              </a:gs>
+            </a:gsLst>
+            <a:path path="circle">
+              <a:fillToRect l="50000" t="-80000" r="50000" b="180000"/>
+            </a:path>
+            <a:tileRect/>
+          </a:gradFill>
+        </p:spPr>
+        <p:style>
+          <a:lnRef idx="1">
+            <a:schemeClr val="accent3"/>
+          </a:lnRef>
+          <a:fillRef idx="2">
+            <a:schemeClr val="accent3"/>
+          </a:fillRef>
+          <a:effectRef idx="1">
+            <a:schemeClr val="accent3"/>
+          </a:effectRef>
+          <a:fontRef idx="minor">
+            <a:schemeClr val="dk1"/>
+          </a:fontRef>
+        </p:style>
+        <p:txBody>
+          <a:bodyPr rtlCol="0" anchor="ctr"/>
+          <a:lstStyle/>
+          <a:p>
+            <a:pPr algn="ctr"/>
+            <a:endParaRPr lang="en-AU"/>
+          </a:p>
+        </p:txBody>
+      </p:sp>
+      <p:sp>
+        <p:nvSpPr>
+          <p:cNvPr id="11" name="CuadroTexto 10"/>
+          <p:cNvSpPr txBox="1"/>
+          <p:nvPr/>
+        </p:nvSpPr>
+        <p:spPr>
+          <a:xfrm>
+            <a:off x="0" y="-60158"/>
+            <a:ext cx="6096000" cy="3970318"/>
+          </a:xfrm>
+          <a:prstGeom prst="rect">
+            <a:avLst/>
+          </a:prstGeom>
+          <a:noFill/>
+        </p:spPr>
+        <p:txBody>
+          <a:bodyPr wrap="square" rtlCol="0">
+            <a:spAutoFit/>
+          </a:bodyPr>
+          <a:lstStyle/>
+          <a:p>
+            <a:pPr algn="ctr"/>
+            <a:r>
+              <a:rPr lang="es-CO" sz="6000" dirty="0" smtClean="0"/>
+              <a:t>Concurso diseño de </a:t>
+            </a:r>
+            <a:r>
+              <a:rPr lang="es-CO" sz="7200" dirty="0" smtClean="0">
+                <a:solidFill>
+                  <a:srgbClr val="FF0066"/>
+                </a:solidFill>
+              </a:rPr>
+              <a:t>LOGOTIPO</a:t>
+            </a:r>
+            <a:r>
+              <a:rPr lang="es-CO" sz="6000" dirty="0" smtClean="0"/>
+              <a:t> </a:t>
+            </a:r>
+          </a:p>
+          <a:p>
+            <a:pPr algn="ctr"/>
+            <a:r>
+              <a:rPr lang="es-CO" sz="6000" dirty="0" smtClean="0"/>
+              <a:t>para el evento</a:t>
+            </a:r>
+          </a:p>
+          <a:p>
+            <a:pPr algn="ctr"/>
+            <a:r>
+              <a:rPr lang="es-CO" sz="5400" dirty="0" err="1" smtClean="0"/>
+              <a:t>Rdaymedellin</a:t>
+            </a:r>
+            <a:r>
+              <a:rPr lang="es-CO" sz="6000" dirty="0" smtClean="0"/>
+              <a:t> 2019</a:t>
+            </a:r>
+            <a:endParaRPr lang="en-AU" sz="6000" dirty="0"/>
+          </a:p>
+        </p:txBody>
+      </p:sp>
+      <p:pic>
+        <p:nvPicPr>
+          <p:cNvPr id="1034" name="Picture 10" descr="Resultado de imagen para logo unal"/>
+          <p:cNvPicPr>
+            <a:picLocks noChangeAspect="1" noChangeArrowheads="1"/>
+          </p:cNvPicPr>
+          <p:nvPr/>
+        </p:nvPicPr>
+        <p:blipFill>
+          <a:blip r:embed="rId2">
+            <a:extLst>
+              <a:ext uri="{28A0092B-C50C-407E-A947-70E740481C1C}">
+                <a14:useLocalDpi xmlns:a14="http://schemas.microsoft.com/office/drawing/2010/main" val="0"/>
+              </a:ext>
+            </a:extLst>
+          </a:blip>
+          <a:srcRect/>
+          <a:stretch>
+            <a:fillRect/>
+          </a:stretch>
+        </p:blipFill>
+        <p:spPr bwMode="auto">
+          <a:xfrm>
+            <a:off x="7133890" y="5473282"/>
+            <a:ext cx="2228850" cy="1171575"/>
+          </a:xfrm>
+          <a:prstGeom prst="rect">
+            <a:avLst/>
+          </a:prstGeom>
+          <a:noFill/>
+          <a:extLst>
+            <a:ext uri="{909E8E84-426E-40DD-AFC4-6F175D3DCCD1}">
+              <a14:hiddenFill xmlns:a14="http://schemas.microsoft.com/office/drawing/2010/main">
+                <a:solidFill>
+                  <a:srgbClr val="FFFFFF"/>
+                </a:solidFill>
+              </a14:hiddenFill>
+            </a:ext>
+          </a:extLst>
+        </p:spPr>
+      </p:pic>
+      <p:pic>
+        <p:nvPicPr>
+          <p:cNvPr id="1036" name="Picture 12" descr="Resultado de imagen para logo udea"/>
+          <p:cNvPicPr>
+            <a:picLocks noChangeAspect="1" noChangeArrowheads="1"/>
+          </p:cNvPicPr>
+          <p:nvPr/>
+        </p:nvPicPr>
+        <p:blipFill rotWithShape="1">
+          <a:blip r:embed="rId3" cstate="print">
+            <a:extLst>
+              <a:ext uri="{28A0092B-C50C-407E-A947-70E740481C1C}">
+                <a14:useLocalDpi xmlns:a14="http://schemas.microsoft.com/office/drawing/2010/main" val="0"/>
+              </a:ext>
+            </a:extLst>
+          </a:blip>
+          <a:srcRect b="15962"/>
+          <a:stretch/>
+        </p:blipFill>
+        <p:spPr bwMode="auto">
+          <a:xfrm>
+            <a:off x="9810167" y="5421396"/>
+            <a:ext cx="1056669" cy="1275347"/>
+          </a:xfrm>
+          <a:prstGeom prst="rect">
+            <a:avLst/>
+          </a:prstGeom>
+          <a:noFill/>
+          <a:extLst>
+            <a:ext uri="{909E8E84-426E-40DD-AFC4-6F175D3DCCD1}">
+              <a14:hiddenFill xmlns:a14="http://schemas.microsoft.com/office/drawing/2010/main">
+                <a:solidFill>
+                  <a:srgbClr val="FFFFFF"/>
+                </a:solidFill>
+              </a14:hiddenFill>
+            </a:ext>
+          </a:extLst>
+        </p:spPr>
+      </p:pic>
+      <p:sp>
+        <p:nvSpPr>
+          <p:cNvPr id="13" name="Rectángulo 12"/>
+          <p:cNvSpPr/>
+          <p:nvPr/>
+        </p:nvSpPr>
+        <p:spPr>
+          <a:xfrm>
+            <a:off x="6097970" y="0"/>
+            <a:ext cx="6081998" cy="5260140"/>
+          </a:xfrm>
+          <a:prstGeom prst="rect">
+            <a:avLst/>
+          </a:prstGeom>
+          <a:solidFill>
+            <a:schemeClr val="tx1"/>
+          </a:solidFill>
+          <a:ln>
+            <a:noFill/>
+          </a:ln>
+        </p:spPr>
+        <p:style>
+          <a:lnRef idx="1">
+            <a:schemeClr val="accent6"/>
+          </a:lnRef>
+          <a:fillRef idx="1001">
+            <a:schemeClr val="dk1"/>
+          </a:fillRef>
+          <a:effectRef idx="2">
+            <a:schemeClr val="accent6"/>
+          </a:effectRef>
+          <a:fontRef idx="minor">
+            <a:schemeClr val="lt1"/>
+          </a:fontRef>
+        </p:style>
+        <p:txBody>
+          <a:bodyPr rtlCol="0" anchor="ctr"/>
+          <a:lstStyle/>
+          <a:p>
+            <a:r>
+              <a:rPr lang="en-AU" sz="3200" dirty="0" smtClean="0">
+                <a:solidFill>
+                  <a:schemeClr val="bg1"/>
+                </a:solidFill>
+                <a:latin typeface="Arial" panose="020B0604020202020204" pitchFamily="34" charset="0"/>
+                <a:cs typeface="Arial" panose="020B0604020202020204" pitchFamily="34" charset="0"/>
+              </a:rPr>
+              <a:t> </a:t>
+            </a:r>
+            <a:endParaRPr lang="en-AU" sz="3200" dirty="0">
+              <a:solidFill>
+                <a:schemeClr val="bg1"/>
+              </a:solidFill>
+              <a:latin typeface="Arial" panose="020B0604020202020204" pitchFamily="34" charset="0"/>
+              <a:cs typeface="Arial" panose="020B0604020202020204" pitchFamily="34" charset="0"/>
+            </a:endParaRPr>
+          </a:p>
+        </p:txBody>
+      </p:sp>
+      <p:pic>
+        <p:nvPicPr>
+          <p:cNvPr id="2" name="Imagen 1"/>
+          <p:cNvPicPr>
+            <a:picLocks noChangeAspect="1"/>
+          </p:cNvPicPr>
+          <p:nvPr/>
+        </p:nvPicPr>
+        <p:blipFill rotWithShape="1">
+          <a:blip r:embed="rId4">
+            <a:extLst>
+              <a:ext uri="{28A0092B-C50C-407E-A947-70E740481C1C}">
+                <a14:useLocalDpi xmlns:a14="http://schemas.microsoft.com/office/drawing/2010/main" val="0"/>
+              </a:ext>
+            </a:extLst>
+          </a:blip>
+          <a:srcRect t="17508"/>
+          <a:stretch/>
+        </p:blipFill>
+        <p:spPr>
+          <a:xfrm>
+            <a:off x="1" y="3838074"/>
+            <a:ext cx="6096000" cy="3031160"/>
+          </a:xfrm>
+          <a:prstGeom prst="rect">
+            <a:avLst/>
+          </a:prstGeom>
+          <a:effectLst>
+            <a:reflection blurRad="749300" stA="83000" endPos="18000" dist="50800" dir="5400000" sy="-100000" algn="bl" rotWithShape="0"/>
+            <a:softEdge rad="127000"/>
+          </a:effectLst>
+        </p:spPr>
+      </p:pic>
+      <p:sp>
+        <p:nvSpPr>
+          <p:cNvPr id="3" name="CuadroTexto 2"/>
+          <p:cNvSpPr txBox="1"/>
+          <p:nvPr/>
+        </p:nvSpPr>
+        <p:spPr>
+          <a:xfrm>
+            <a:off x="6280482" y="132343"/>
+            <a:ext cx="5630780" cy="5016758"/>
+          </a:xfrm>
+          <a:prstGeom prst="rect">
+            <a:avLst/>
+          </a:prstGeom>
+          <a:noFill/>
+        </p:spPr>
+        <p:txBody>
+          <a:bodyPr wrap="square" rtlCol="0">
+            <a:spAutoFit/>
+          </a:bodyPr>
+          <a:lstStyle/>
+          <a:p>
+            <a:r>
+              <a:rPr lang="es-CO" sz="3200" dirty="0">
+                <a:solidFill>
+                  <a:schemeClr val="bg1"/>
+                </a:solidFill>
+                <a:latin typeface="Arial" panose="020B0604020202020204" pitchFamily="34" charset="0"/>
+                <a:cs typeface="Arial" panose="020B0604020202020204" pitchFamily="34" charset="0"/>
+              </a:rPr>
+              <a:t>Plazo:</a:t>
+            </a:r>
+          </a:p>
+          <a:p>
+            <a:r>
+              <a:rPr lang="es-CO" sz="3200" dirty="0">
+                <a:solidFill>
+                  <a:schemeClr val="bg1"/>
+                </a:solidFill>
+                <a:latin typeface="Arial" panose="020B0604020202020204" pitchFamily="34" charset="0"/>
+                <a:cs typeface="Arial" panose="020B0604020202020204" pitchFamily="34" charset="0"/>
+              </a:rPr>
+              <a:t> 13 de febrero de 2019</a:t>
+            </a:r>
+          </a:p>
+          <a:p>
+            <a:endParaRPr lang="es-CO" sz="3200" dirty="0" smtClean="0">
+              <a:solidFill>
+                <a:schemeClr val="bg1"/>
+              </a:solidFill>
+              <a:latin typeface="Arial" panose="020B0604020202020204" pitchFamily="34" charset="0"/>
+              <a:cs typeface="Arial" panose="020B0604020202020204" pitchFamily="34" charset="0"/>
+            </a:endParaRPr>
+          </a:p>
+          <a:p>
+            <a:endParaRPr lang="es-CO" sz="3200" dirty="0">
+              <a:solidFill>
+                <a:schemeClr val="bg1"/>
+              </a:solidFill>
+              <a:latin typeface="Arial" panose="020B0604020202020204" pitchFamily="34" charset="0"/>
+              <a:cs typeface="Arial" panose="020B0604020202020204" pitchFamily="34" charset="0"/>
+            </a:endParaRPr>
+          </a:p>
+          <a:p>
+            <a:r>
+              <a:rPr lang="es-CO" sz="3200" dirty="0">
+                <a:solidFill>
+                  <a:schemeClr val="bg1"/>
+                </a:solidFill>
+                <a:latin typeface="Arial" panose="020B0604020202020204" pitchFamily="34" charset="0"/>
+                <a:cs typeface="Arial" panose="020B0604020202020204" pitchFamily="34" charset="0"/>
+              </a:rPr>
+              <a:t>Enviar propuestas a:</a:t>
+            </a:r>
+          </a:p>
+          <a:p>
+            <a:r>
+              <a:rPr lang="es-CO" sz="3200" dirty="0">
+                <a:solidFill>
+                  <a:schemeClr val="bg1"/>
+                </a:solidFill>
+                <a:latin typeface="Arial" panose="020B0604020202020204" pitchFamily="34" charset="0"/>
+                <a:cs typeface="Arial" panose="020B0604020202020204" pitchFamily="34" charset="0"/>
+              </a:rPr>
+              <a:t> rdaymedellin@gmail.com</a:t>
+            </a:r>
+          </a:p>
+          <a:p>
+            <a:endParaRPr lang="es-CO" sz="3200" dirty="0" smtClean="0">
+              <a:solidFill>
+                <a:schemeClr val="bg1"/>
+              </a:solidFill>
+              <a:latin typeface="Arial" panose="020B0604020202020204" pitchFamily="34" charset="0"/>
+              <a:cs typeface="Arial" panose="020B0604020202020204" pitchFamily="34" charset="0"/>
+            </a:endParaRPr>
+          </a:p>
+          <a:p>
+            <a:endParaRPr lang="es-CO" sz="3200" dirty="0">
+              <a:solidFill>
+                <a:schemeClr val="bg1"/>
+              </a:solidFill>
+              <a:latin typeface="Arial" panose="020B0604020202020204" pitchFamily="34" charset="0"/>
+              <a:cs typeface="Arial" panose="020B0604020202020204" pitchFamily="34" charset="0"/>
+            </a:endParaRPr>
+          </a:p>
+          <a:p>
+            <a:r>
+              <a:rPr lang="es-CO" sz="3200" dirty="0">
+                <a:solidFill>
+                  <a:schemeClr val="bg1"/>
+                </a:solidFill>
+                <a:latin typeface="Arial" panose="020B0604020202020204" pitchFamily="34" charset="0"/>
+                <a:cs typeface="Arial" panose="020B0604020202020204" pitchFamily="34" charset="0"/>
+              </a:rPr>
+              <a:t>Más información:</a:t>
+            </a:r>
+          </a:p>
+          <a:p>
+            <a:r>
+              <a:rPr lang="es-CO" sz="3200" dirty="0">
+                <a:solidFill>
+                  <a:schemeClr val="bg1"/>
+                </a:solidFill>
+                <a:latin typeface="Arial" panose="020B0604020202020204" pitchFamily="34" charset="0"/>
+                <a:cs typeface="Arial" panose="020B0604020202020204" pitchFamily="34" charset="0"/>
+              </a:rPr>
+              <a:t> </a:t>
+            </a:r>
+            <a:r>
+              <a:rPr lang="es-CO" sz="3200" dirty="0" smtClean="0">
+                <a:solidFill>
+                  <a:schemeClr val="bg1"/>
+                </a:solidFill>
+                <a:latin typeface="Arial" panose="020B0604020202020204" pitchFamily="34" charset="0"/>
+                <a:cs typeface="Arial" panose="020B0604020202020204" pitchFamily="34" charset="0"/>
+              </a:rPr>
+              <a:t>h</a:t>
+            </a:r>
+            <a:r>
+              <a:rPr lang="en-AU" sz="3200" dirty="0" smtClean="0">
+                <a:solidFill>
+                  <a:schemeClr val="bg1"/>
+                </a:solidFill>
+                <a:latin typeface="Arial" panose="020B0604020202020204" pitchFamily="34" charset="0"/>
+                <a:cs typeface="Arial" panose="020B0604020202020204" pitchFamily="34" charset="0"/>
+              </a:rPr>
+              <a:t>ttps</a:t>
+            </a:r>
+            <a:r>
+              <a:rPr lang="en-AU" sz="3200" dirty="0">
+                <a:solidFill>
+                  <a:schemeClr val="bg1"/>
+                </a:solidFill>
+                <a:latin typeface="Arial" panose="020B0604020202020204" pitchFamily="34" charset="0"/>
+                <a:cs typeface="Arial" panose="020B0604020202020204" pitchFamily="34" charset="0"/>
+              </a:rPr>
+              <a:t>://rdaymedellin.github.io</a:t>
+            </a:r>
+            <a:endParaRPr lang="en-AU" sz="3200" dirty="0"/>
+          </a:p>
+        </p:txBody>
+      </p:sp>
+    </p:spTree>
+    <p:extLst>
+      <p:ext uri="{BB962C8B-B14F-4D97-AF65-F5344CB8AC3E}">
+        <p14:creationId xmlns:p14="http://schemas.microsoft.com/office/powerpoint/2010/main" val="4085041467"/>
       </p:ext>
     </p:extLst>
   </p:cSld>

--- a/imagenes/auxiliar.pptx
+++ b/imagenes/auxiliar.pptx
@@ -262,7 +262,7 @@
           <a:p>
             <a:fld id="{29678B5A-351E-4098-8F04-5692B504D35C}" type="datetimeFigureOut">
               <a:rPr lang="en-AU" smtClean="0"/>
-              <a:t>4/02/2019</a:t>
+              <a:t>8/02/2019</a:t>
             </a:fld>
             <a:endParaRPr lang="en-AU"/>
           </a:p>
@@ -432,7 +432,7 @@
           <a:p>
             <a:fld id="{29678B5A-351E-4098-8F04-5692B504D35C}" type="datetimeFigureOut">
               <a:rPr lang="en-AU" smtClean="0"/>
-              <a:t>4/02/2019</a:t>
+              <a:t>8/02/2019</a:t>
             </a:fld>
             <a:endParaRPr lang="en-AU"/>
           </a:p>
@@ -612,7 +612,7 @@
           <a:p>
             <a:fld id="{29678B5A-351E-4098-8F04-5692B504D35C}" type="datetimeFigureOut">
               <a:rPr lang="en-AU" smtClean="0"/>
-              <a:t>4/02/2019</a:t>
+              <a:t>8/02/2019</a:t>
             </a:fld>
             <a:endParaRPr lang="en-AU"/>
           </a:p>
@@ -782,7 +782,7 @@
           <a:p>
             <a:fld id="{29678B5A-351E-4098-8F04-5692B504D35C}" type="datetimeFigureOut">
               <a:rPr lang="en-AU" smtClean="0"/>
-              <a:t>4/02/2019</a:t>
+              <a:t>8/02/2019</a:t>
             </a:fld>
             <a:endParaRPr lang="en-AU"/>
           </a:p>
@@ -1028,7 +1028,7 @@
           <a:p>
             <a:fld id="{29678B5A-351E-4098-8F04-5692B504D35C}" type="datetimeFigureOut">
               <a:rPr lang="en-AU" smtClean="0"/>
-              <a:t>4/02/2019</a:t>
+              <a:t>8/02/2019</a:t>
             </a:fld>
             <a:endParaRPr lang="en-AU"/>
           </a:p>
@@ -1260,7 +1260,7 @@
           <a:p>
             <a:fld id="{29678B5A-351E-4098-8F04-5692B504D35C}" type="datetimeFigureOut">
               <a:rPr lang="en-AU" smtClean="0"/>
-              <a:t>4/02/2019</a:t>
+              <a:t>8/02/2019</a:t>
             </a:fld>
             <a:endParaRPr lang="en-AU"/>
           </a:p>
@@ -1627,7 +1627,7 @@
           <a:p>
             <a:fld id="{29678B5A-351E-4098-8F04-5692B504D35C}" type="datetimeFigureOut">
               <a:rPr lang="en-AU" smtClean="0"/>
-              <a:t>4/02/2019</a:t>
+              <a:t>8/02/2019</a:t>
             </a:fld>
             <a:endParaRPr lang="en-AU"/>
           </a:p>
@@ -1745,7 +1745,7 @@
           <a:p>
             <a:fld id="{29678B5A-351E-4098-8F04-5692B504D35C}" type="datetimeFigureOut">
               <a:rPr lang="en-AU" smtClean="0"/>
-              <a:t>4/02/2019</a:t>
+              <a:t>8/02/2019</a:t>
             </a:fld>
             <a:endParaRPr lang="en-AU"/>
           </a:p>
@@ -1840,7 +1840,7 @@
           <a:p>
             <a:fld id="{29678B5A-351E-4098-8F04-5692B504D35C}" type="datetimeFigureOut">
               <a:rPr lang="en-AU" smtClean="0"/>
-              <a:t>4/02/2019</a:t>
+              <a:t>8/02/2019</a:t>
             </a:fld>
             <a:endParaRPr lang="en-AU"/>
           </a:p>
@@ -2117,7 +2117,7 @@
           <a:p>
             <a:fld id="{29678B5A-351E-4098-8F04-5692B504D35C}" type="datetimeFigureOut">
               <a:rPr lang="en-AU" smtClean="0"/>
-              <a:t>4/02/2019</a:t>
+              <a:t>8/02/2019</a:t>
             </a:fld>
             <a:endParaRPr lang="en-AU"/>
           </a:p>
@@ -2370,7 +2370,7 @@
           <a:p>
             <a:fld id="{29678B5A-351E-4098-8F04-5692B504D35C}" type="datetimeFigureOut">
               <a:rPr lang="en-AU" smtClean="0"/>
-              <a:t>4/02/2019</a:t>
+              <a:t>8/02/2019</a:t>
             </a:fld>
             <a:endParaRPr lang="en-AU"/>
           </a:p>
@@ -2586,7 +2586,7 @@
           <a:p>
             <a:fld id="{29678B5A-351E-4098-8F04-5692B504D35C}" type="datetimeFigureOut">
               <a:rPr lang="en-AU" smtClean="0"/>
-              <a:t>4/02/2019</a:t>
+              <a:t>8/02/2019</a:t>
             </a:fld>
             <a:endParaRPr lang="en-AU"/>
           </a:p>
@@ -3308,8 +3308,8 @@
         </p:nvSpPr>
         <p:spPr>
           <a:xfrm>
-            <a:off x="6387" y="11155"/>
-            <a:ext cx="7189789" cy="1569660"/>
+            <a:off x="6388" y="11155"/>
+            <a:ext cx="6807008" cy="1446550"/>
           </a:xfrm>
           <a:prstGeom prst="rect">
             <a:avLst/>
@@ -3317,14 +3317,14 @@
           <a:noFill/>
         </p:spPr>
         <p:txBody>
-          <a:bodyPr wrap="none" rtlCol="0">
+          <a:bodyPr wrap="square" rtlCol="0">
             <a:spAutoFit/>
           </a:bodyPr>
           <a:lstStyle/>
           <a:p>
             <a:pPr algn="ctr"/>
             <a:r>
-              <a:rPr lang="es-CO" sz="4800" dirty="0" err="1" smtClean="0">
+              <a:rPr lang="es-CO" sz="4400" dirty="0" err="1" smtClean="0">
                 <a:solidFill>
                   <a:schemeClr val="bg1"/>
                 </a:solidFill>
@@ -3334,7 +3334,7 @@
               <a:t>Rday</a:t>
             </a:r>
             <a:r>
-              <a:rPr lang="es-CO" sz="4800" dirty="0" smtClean="0">
+              <a:rPr lang="es-CO" sz="4400" dirty="0" smtClean="0">
                 <a:solidFill>
                   <a:schemeClr val="bg1"/>
                 </a:solidFill>
@@ -3347,7 +3347,7 @@
           <a:p>
             <a:pPr algn="ctr"/>
             <a:r>
-              <a:rPr lang="es-CO" sz="4800" dirty="0" smtClean="0">
+              <a:rPr lang="es-CO" sz="4400" dirty="0" smtClean="0">
                 <a:solidFill>
                   <a:schemeClr val="bg1"/>
                 </a:solidFill>
@@ -3356,7 +3356,7 @@
               </a:rPr>
               <a:t>Noviembre 8 de 2019</a:t>
             </a:r>
-            <a:endParaRPr lang="en-AU" sz="4800" dirty="0">
+            <a:endParaRPr lang="en-AU" sz="4400" dirty="0">
               <a:solidFill>
                 <a:schemeClr val="bg1"/>
               </a:solidFill>
@@ -3403,6 +3403,77 @@
           </a:p>
         </p:txBody>
       </p:sp>
+      <p:pic>
+        <p:nvPicPr>
+          <p:cNvPr id="7" name="Imagen 6"/>
+          <p:cNvPicPr>
+            <a:picLocks noChangeAspect="1"/>
+          </p:cNvPicPr>
+          <p:nvPr/>
+        </p:nvPicPr>
+        <p:blipFill>
+          <a:blip r:embed="rId3" cstate="print">
+            <a:extLst>
+              <a:ext uri="{28A0092B-C50C-407E-A947-70E740481C1C}">
+                <a14:useLocalDpi xmlns:a14="http://schemas.microsoft.com/office/drawing/2010/main" val="0"/>
+              </a:ext>
+            </a:extLst>
+          </a:blip>
+          <a:stretch>
+            <a:fillRect/>
+          </a:stretch>
+        </p:blipFill>
+        <p:spPr>
+          <a:xfrm>
+            <a:off x="1717289" y="5466912"/>
+            <a:ext cx="2709745" cy="1151715"/>
+          </a:xfrm>
+          <a:prstGeom prst="rect">
+            <a:avLst/>
+          </a:prstGeom>
+        </p:spPr>
+      </p:pic>
+      <p:pic>
+        <p:nvPicPr>
+          <p:cNvPr id="8" name="Picture 4" descr="Resultado de imagen para logo udea"/>
+          <p:cNvPicPr>
+            <a:picLocks noChangeAspect="1" noChangeArrowheads="1"/>
+          </p:cNvPicPr>
+          <p:nvPr/>
+        </p:nvPicPr>
+        <p:blipFill>
+          <a:blip r:embed="rId4">
+            <a:extLst>
+              <a:ext uri="{28A0092B-C50C-407E-A947-70E740481C1C}">
+                <a14:useLocalDpi xmlns:a14="http://schemas.microsoft.com/office/drawing/2010/main" val="0"/>
+              </a:ext>
+            </a:extLst>
+          </a:blip>
+          <a:srcRect/>
+          <a:stretch>
+            <a:fillRect/>
+          </a:stretch>
+        </p:blipFill>
+        <p:spPr bwMode="auto">
+          <a:xfrm>
+            <a:off x="6990327" y="5595130"/>
+            <a:ext cx="4093985" cy="1023497"/>
+          </a:xfrm>
+          <a:prstGeom prst="rect">
+            <a:avLst/>
+          </a:prstGeom>
+          <a:noFill/>
+          <a:extLst>
+            <a:ext uri="{909E8E84-426E-40DD-AFC4-6F175D3DCCD1}">
+              <a14:hiddenFill xmlns:a14="http://schemas.microsoft.com/office/drawing/2010/main">
+                <a:solidFill>
+                  <a:srgbClr val="FFFFFF"/>
+                </a:solidFill>
+              </a14:hiddenFill>
+            </a:ext>
+          </a:extLst>
+        </p:spPr>
+      </p:pic>
     </p:spTree>
     <p:extLst>
       <p:ext uri="{BB962C8B-B14F-4D97-AF65-F5344CB8AC3E}">
@@ -3952,13 +4023,6 @@
               </a:rPr>
               <a:t>://rdaymedellin.github.io </a:t>
             </a:r>
-            <a:endParaRPr lang="en-AU" sz="3200" dirty="0">
-              <a:solidFill>
-                <a:schemeClr val="bg1"/>
-              </a:solidFill>
-              <a:latin typeface="Arial" panose="020B0604020202020204" pitchFamily="34" charset="0"/>
-              <a:cs typeface="Arial" panose="020B0604020202020204" pitchFamily="34" charset="0"/>
-            </a:endParaRPr>
           </a:p>
         </p:txBody>
       </p:sp>
@@ -4408,13 +4472,6 @@
               </a:rPr>
               <a:t>://rdaymedellin.github.io </a:t>
             </a:r>
-            <a:endParaRPr lang="en-AU" sz="3200" dirty="0">
-              <a:solidFill>
-                <a:schemeClr val="bg1"/>
-              </a:solidFill>
-              <a:latin typeface="Arial" panose="020B0604020202020204" pitchFamily="34" charset="0"/>
-              <a:cs typeface="Arial" panose="020B0604020202020204" pitchFamily="34" charset="0"/>
-            </a:endParaRPr>
           </a:p>
         </p:txBody>
       </p:sp>
@@ -4823,13 +4880,6 @@
               </a:rPr>
               <a:t>://rdaymedellin.github.io </a:t>
             </a:r>
-            <a:endParaRPr lang="en-AU" sz="3200" dirty="0">
-              <a:solidFill>
-                <a:schemeClr val="bg1"/>
-              </a:solidFill>
-              <a:latin typeface="Arial" panose="020B0604020202020204" pitchFamily="34" charset="0"/>
-              <a:cs typeface="Arial" panose="020B0604020202020204" pitchFamily="34" charset="0"/>
-            </a:endParaRPr>
           </a:p>
         </p:txBody>
       </p:sp>
@@ -5267,13 +5317,6 @@
               </a:rPr>
               <a:t>://rdaymedellin.github.io </a:t>
             </a:r>
-            <a:endParaRPr lang="en-AU" sz="3200" dirty="0">
-              <a:solidFill>
-                <a:schemeClr val="bg1"/>
-              </a:solidFill>
-              <a:latin typeface="Arial" panose="020B0604020202020204" pitchFamily="34" charset="0"/>
-              <a:cs typeface="Arial" panose="020B0604020202020204" pitchFamily="34" charset="0"/>
-            </a:endParaRPr>
           </a:p>
         </p:txBody>
       </p:sp>
